--- a/udemy/notes/Notes.pptx
+++ b/udemy/notes/Notes.pptx
@@ -8,6 +8,7 @@
     <p:sldId id="256" r:id="rId2"/>
     <p:sldId id="257" r:id="rId3"/>
     <p:sldId id="258" r:id="rId4"/>
+    <p:sldId id="259" r:id="rId5"/>
   </p:sldIdLst>
   <p:sldSz cx="7569200" cy="10706100"/>
   <p:notesSz cx="7569200" cy="10706100"/>
@@ -4136,9 +4137,1293 @@
           <a:p>
             <a:r>
               <a:rPr lang="en-US" dirty="0"/>
-              <a:t>Heading Tag</a:t>
+              <a:t>Paragraph Tag</a:t>
             </a:r>
             <a:endParaRPr lang="en-IN" dirty="0"/>
+          </a:p>
+        </p:txBody>
+      </p:sp>
+      <p:sp>
+        <p:nvSpPr>
+          <p:cNvPr id="13" name="TextBox 12">
+            <a:extLst>
+              <a:ext uri="{FF2B5EF4-FFF2-40B4-BE49-F238E27FC236}">
+                <a16:creationId xmlns:a16="http://schemas.microsoft.com/office/drawing/2014/main" id="{5DEF0336-F58C-4A64-B987-1A9A02D9F675}"/>
+              </a:ext>
+            </a:extLst>
+          </p:cNvPr>
+          <p:cNvSpPr txBox="1"/>
+          <p:nvPr/>
+        </p:nvSpPr>
+        <p:spPr>
+          <a:xfrm>
+            <a:off x="2278729" y="2008175"/>
+            <a:ext cx="4918370" cy="23683406"/>
+          </a:xfrm>
+          <a:prstGeom prst="rect">
+            <a:avLst/>
+          </a:prstGeom>
+          <a:noFill/>
+        </p:spPr>
+        <p:txBody>
+          <a:bodyPr wrap="square" rtlCol="0">
+            <a:spAutoFit/>
+          </a:bodyPr>
+          <a:lstStyle/>
+          <a:p>
+            <a:pPr algn="l"/>
+            <a:r>
+              <a:rPr lang="en-US" sz="1050" dirty="0">
+                <a:solidFill>
+                  <a:srgbClr val="2D2F31"/>
+                </a:solidFill>
+                <a:latin typeface="Udemy Sans"/>
+              </a:rPr>
+              <a:t>T</a:t>
+            </a:r>
+            <a:r>
+              <a:rPr lang="en-US" sz="1050" b="0" i="0" dirty="0">
+                <a:solidFill>
+                  <a:srgbClr val="2D2F31"/>
+                </a:solidFill>
+                <a:effectLst/>
+                <a:latin typeface="Udemy Sans"/>
+              </a:rPr>
+              <a:t>he paragraph element.</a:t>
+            </a:r>
+          </a:p>
+          <a:p>
+            <a:pPr algn="l"/>
+            <a:r>
+              <a:rPr lang="en-US" sz="1050" b="0" i="0" dirty="0">
+                <a:solidFill>
+                  <a:srgbClr val="2D2F31"/>
+                </a:solidFill>
+                <a:effectLst/>
+                <a:latin typeface="Udemy Sans"/>
+              </a:rPr>
+              <a:t>And this is also related to formatting and putting text on our websites.</a:t>
+            </a:r>
+          </a:p>
+          <a:p>
+            <a:pPr algn="l"/>
+            <a:r>
+              <a:rPr lang="en-US" sz="1050" b="0" i="0" dirty="0">
+                <a:solidFill>
+                  <a:srgbClr val="2D2F31"/>
+                </a:solidFill>
+                <a:effectLst/>
+                <a:latin typeface="Udemy Sans"/>
+              </a:rPr>
+              <a:t>This is what a paragraph element looks like and similar to the heading element, you've got the opening</a:t>
+            </a:r>
+          </a:p>
+          <a:p>
+            <a:pPr algn="l"/>
+            <a:r>
+              <a:rPr lang="en-US" sz="1050" b="0" i="0" dirty="0">
+                <a:solidFill>
+                  <a:srgbClr val="2D2F31"/>
+                </a:solidFill>
+                <a:effectLst/>
+                <a:latin typeface="Udemy Sans"/>
+              </a:rPr>
+              <a:t>tag (&lt;p&gt;) and the closing tag (&lt;/p&gt;), and in between you've got the content that is going to be your paragraph.</a:t>
+            </a:r>
+          </a:p>
+          <a:p>
+            <a:pPr algn="l"/>
+            <a:r>
+              <a:rPr lang="en-US" sz="1050" b="0" i="0" dirty="0">
+                <a:solidFill>
+                  <a:srgbClr val="2D2F31"/>
+                </a:solidFill>
+                <a:effectLst/>
+                <a:latin typeface="Udemy Sans"/>
+              </a:rPr>
+              <a:t>Now the reason why we need a paragraph tag is because if you just had plain text in your HTML document,</a:t>
+            </a:r>
+          </a:p>
+          <a:p>
+            <a:pPr algn="l"/>
+            <a:r>
+              <a:rPr lang="en-US" sz="1050" b="0" i="0" dirty="0">
+                <a:solidFill>
+                  <a:srgbClr val="2D2F31"/>
+                </a:solidFill>
+                <a:effectLst/>
+                <a:latin typeface="Udemy Sans"/>
+              </a:rPr>
+              <a:t>when you run the code and you see it on a website, what you'll see is something like this.</a:t>
+            </a:r>
+          </a:p>
+          <a:p>
+            <a:pPr algn="l"/>
+            <a:r>
+              <a:rPr lang="en-US" sz="1050" b="0" i="0" dirty="0">
+                <a:solidFill>
+                  <a:srgbClr val="2D2F31"/>
+                </a:solidFill>
+                <a:effectLst/>
+                <a:latin typeface="Udemy Sans"/>
+              </a:rPr>
+              <a:t>The text, they run into each other onto the same line and you can't actually tell where one paragraph</a:t>
+            </a:r>
+          </a:p>
+          <a:p>
+            <a:pPr algn="l"/>
+            <a:r>
+              <a:rPr lang="en-US" sz="1050" b="0" i="0" dirty="0">
+                <a:solidFill>
+                  <a:srgbClr val="2D2F31"/>
+                </a:solidFill>
+                <a:effectLst/>
+                <a:latin typeface="Udemy Sans"/>
+              </a:rPr>
+              <a:t>begins and where the other ends.</a:t>
+            </a:r>
+          </a:p>
+          <a:p>
+            <a:pPr algn="l"/>
+            <a:r>
+              <a:rPr lang="en-US" sz="1050" b="0" i="0" dirty="0">
+                <a:solidFill>
+                  <a:srgbClr val="2D2F31"/>
+                </a:solidFill>
+                <a:effectLst/>
+                <a:latin typeface="Udemy Sans"/>
+              </a:rPr>
+              <a:t>On the other hand, if we had created two paragraph elements for these two lines, then when we run</a:t>
+            </a:r>
+          </a:p>
+          <a:p>
+            <a:pPr algn="l"/>
+            <a:r>
+              <a:rPr lang="en-US" sz="1050" b="0" i="0" dirty="0">
+                <a:solidFill>
+                  <a:srgbClr val="2D2F31"/>
+                </a:solidFill>
+                <a:effectLst/>
+                <a:latin typeface="Udemy Sans"/>
+              </a:rPr>
+              <a:t>the code you will see them being separated with a line in between to be able to distinguish the different</a:t>
+            </a:r>
+          </a:p>
+          <a:p>
+            <a:pPr algn="l"/>
+            <a:r>
+              <a:rPr lang="en-US" sz="1050" b="0" i="0" dirty="0">
+                <a:solidFill>
+                  <a:srgbClr val="2D2F31"/>
+                </a:solidFill>
+                <a:effectLst/>
+                <a:latin typeface="Udemy Sans"/>
+              </a:rPr>
+              <a:t>paragraphs.</a:t>
+            </a:r>
+          </a:p>
+          <a:p>
+            <a:pPr algn="l"/>
+            <a:r>
+              <a:rPr lang="en-US" sz="1050" b="0" i="0" dirty="0">
+                <a:solidFill>
+                  <a:srgbClr val="2D2F31"/>
+                </a:solidFill>
+                <a:effectLst/>
+                <a:latin typeface="Udemy Sans"/>
+              </a:rPr>
+              <a:t>And this is also really important for people who are using screen readers, so people who might be blind,</a:t>
+            </a:r>
+          </a:p>
+          <a:p>
+            <a:pPr algn="l"/>
+            <a:r>
+              <a:rPr lang="en-US" sz="1050" b="0" i="0" dirty="0">
+                <a:solidFill>
+                  <a:srgbClr val="2D2F31"/>
+                </a:solidFill>
+                <a:effectLst/>
+                <a:latin typeface="Udemy Sans"/>
+              </a:rPr>
+              <a:t>because what the screen reader will do is they'll see the beginning of each paragraph element and it</a:t>
+            </a:r>
+          </a:p>
+          <a:p>
+            <a:pPr algn="l"/>
+            <a:r>
+              <a:rPr lang="en-US" sz="1050" b="0" i="0" dirty="0">
+                <a:solidFill>
+                  <a:srgbClr val="2D2F31"/>
+                </a:solidFill>
+                <a:effectLst/>
+                <a:latin typeface="Udemy Sans"/>
+              </a:rPr>
+              <a:t>allows the blind user to be able to skip to the next paragraph easily and be able to see what's going</a:t>
+            </a:r>
+          </a:p>
+          <a:p>
+            <a:pPr algn="l"/>
+            <a:r>
+              <a:rPr lang="en-US" sz="1050" b="0" i="0" dirty="0">
+                <a:solidFill>
+                  <a:srgbClr val="2D2F31"/>
+                </a:solidFill>
+                <a:effectLst/>
+                <a:latin typeface="Udemy Sans"/>
+              </a:rPr>
+              <a:t>on each time.</a:t>
+            </a:r>
+          </a:p>
+          <a:p>
+            <a:pPr algn="l"/>
+            <a:r>
+              <a:rPr lang="en-US" sz="1050" b="0" i="0" dirty="0">
+                <a:solidFill>
+                  <a:srgbClr val="2D2F31"/>
+                </a:solidFill>
+                <a:effectLst/>
+                <a:latin typeface="Udemy Sans"/>
+              </a:rPr>
+              <a:t>Now let's put those skills into practice by trying an exercise using the paragraph element.</a:t>
+            </a:r>
+          </a:p>
+          <a:p>
+            <a:pPr algn="l"/>
+            <a:r>
+              <a:rPr lang="en-US" sz="1050" b="0" i="0" dirty="0">
+                <a:solidFill>
+                  <a:srgbClr val="2D2F31"/>
+                </a:solidFill>
+                <a:effectLst/>
+                <a:latin typeface="Udemy Sans"/>
+              </a:rPr>
+              <a:t>If you head over to the course resources for this lesson, you should be able to download the zipped file</a:t>
+            </a:r>
+          </a:p>
+          <a:p>
+            <a:pPr algn="l"/>
+            <a:r>
+              <a:rPr lang="en-US" sz="1050" b="0" i="0" dirty="0">
+                <a:solidFill>
+                  <a:srgbClr val="2D2F31"/>
+                </a:solidFill>
+                <a:effectLst/>
+                <a:latin typeface="Udemy Sans"/>
+              </a:rPr>
+              <a:t>for the 2.2 Paragraph Element</a:t>
+            </a:r>
+          </a:p>
+          <a:p>
+            <a:pPr algn="l"/>
+            <a:r>
+              <a:rPr lang="en-US" sz="1050" b="0" i="0" dirty="0">
+                <a:solidFill>
+                  <a:srgbClr val="2D2F31"/>
+                </a:solidFill>
+                <a:effectLst/>
+                <a:latin typeface="Udemy Sans"/>
+              </a:rPr>
+              <a:t>and once you've extracted and unzipped it, then go ahead and put it into your Web Development Projects</a:t>
+            </a:r>
+          </a:p>
+          <a:p>
+            <a:pPr algn="l"/>
+            <a:r>
+              <a:rPr lang="en-US" sz="1050" b="0" i="0" dirty="0">
+                <a:solidFill>
+                  <a:srgbClr val="2D2F31"/>
+                </a:solidFill>
+                <a:effectLst/>
+                <a:latin typeface="Udemy Sans"/>
+              </a:rPr>
+              <a:t>folder and then open it up inside VS Code.</a:t>
+            </a:r>
+          </a:p>
+          <a:p>
+            <a:pPr algn="l"/>
+            <a:r>
+              <a:rPr lang="en-US" sz="1050" b="0" i="0" dirty="0">
+                <a:solidFill>
+                  <a:srgbClr val="2D2F31"/>
+                </a:solidFill>
+                <a:effectLst/>
+                <a:latin typeface="Udemy Sans"/>
+              </a:rPr>
+              <a:t>I showed you how to do all of this in the previous lesson in HTML heading element as well as the initial</a:t>
+            </a:r>
+          </a:p>
+          <a:p>
+            <a:pPr algn="l"/>
+            <a:r>
+              <a:rPr lang="en-US" sz="1050" b="0" i="0" dirty="0">
+                <a:solidFill>
+                  <a:srgbClr val="2D2F31"/>
+                </a:solidFill>
+                <a:effectLst/>
+                <a:latin typeface="Udemy Sans"/>
+              </a:rPr>
+              <a:t>lesson when I showed you how to download course resources, so be sure to check those places if you</a:t>
+            </a:r>
+          </a:p>
+          <a:p>
+            <a:pPr algn="l"/>
+            <a:r>
+              <a:rPr lang="en-US" sz="1050" b="0" i="0" dirty="0">
+                <a:solidFill>
+                  <a:srgbClr val="2D2F31"/>
+                </a:solidFill>
+                <a:effectLst/>
+                <a:latin typeface="Udemy Sans"/>
+              </a:rPr>
+              <a:t>don't know how to get hold of this folder.</a:t>
+            </a:r>
+          </a:p>
+          <a:p>
+            <a:pPr algn="l"/>
+            <a:r>
+              <a:rPr lang="en-US" sz="1050" b="0" i="0" dirty="0">
+                <a:solidFill>
+                  <a:srgbClr val="2D2F31"/>
+                </a:solidFill>
+                <a:effectLst/>
+                <a:latin typeface="Udemy Sans"/>
+              </a:rPr>
+              <a:t>But once you have it opened up like this, then I want you to go ahead and open up the index.html file,</a:t>
+            </a:r>
+          </a:p>
+          <a:p>
+            <a:pPr algn="l"/>
+            <a:r>
+              <a:rPr lang="en-US" sz="1050" b="0" i="0" dirty="0">
+                <a:solidFill>
+                  <a:srgbClr val="2D2F31"/>
+                </a:solidFill>
+                <a:effectLst/>
+                <a:latin typeface="Udemy Sans"/>
+              </a:rPr>
+              <a:t>which as always, is where we're going to write our code.</a:t>
+            </a:r>
+          </a:p>
+          <a:p>
+            <a:pPr algn="l"/>
+            <a:r>
+              <a:rPr lang="en-US" sz="1050" b="0" i="0" dirty="0">
+                <a:solidFill>
+                  <a:srgbClr val="2D2F31"/>
+                </a:solidFill>
+                <a:effectLst/>
+                <a:latin typeface="Udemy Sans"/>
+              </a:rPr>
+              <a:t>Notice here we've got three paragraphs, the first paragraph, the second paragraph and the third paragraph.</a:t>
+            </a:r>
+          </a:p>
+          <a:p>
+            <a:pPr algn="l"/>
+            <a:r>
+              <a:rPr lang="en-US" sz="1050" b="0" i="0" dirty="0">
+                <a:solidFill>
+                  <a:srgbClr val="2D2F31"/>
+                </a:solidFill>
+                <a:effectLst/>
+                <a:latin typeface="Udemy Sans"/>
+              </a:rPr>
+              <a:t>And then there's some placeholder text in Latin, which doesn't mean anything.</a:t>
+            </a:r>
+          </a:p>
+          <a:p>
+            <a:pPr algn="l"/>
+            <a:r>
+              <a:rPr lang="en-US" sz="1050" b="0" i="0" dirty="0">
+                <a:solidFill>
+                  <a:srgbClr val="2D2F31"/>
+                </a:solidFill>
+                <a:effectLst/>
+                <a:latin typeface="Udemy Sans"/>
+              </a:rPr>
+              <a:t>It just is there so that you can see what a paragraph of text would look like.</a:t>
+            </a:r>
+          </a:p>
+          <a:p>
+            <a:pPr algn="l"/>
+            <a:r>
+              <a:rPr lang="en-US" sz="1050" b="0" i="0" dirty="0">
+                <a:solidFill>
+                  <a:srgbClr val="2D2F31"/>
+                </a:solidFill>
+                <a:effectLst/>
+                <a:latin typeface="Udemy Sans"/>
+              </a:rPr>
+              <a:t>And when you go ahead and right-click and Show Preview, you should see that all of the paragraphs are</a:t>
+            </a:r>
+          </a:p>
+          <a:p>
+            <a:pPr algn="l"/>
+            <a:r>
+              <a:rPr lang="en-US" sz="1050" b="0" i="0" dirty="0">
+                <a:solidFill>
+                  <a:srgbClr val="2D2F31"/>
+                </a:solidFill>
+                <a:effectLst/>
+                <a:latin typeface="Udemy Sans"/>
+              </a:rPr>
+              <a:t>jumbled together into one long line and we can't tell where one paragraph begins and the other one ends.</a:t>
+            </a:r>
+          </a:p>
+          <a:p>
+            <a:pPr algn="l"/>
+            <a:r>
+              <a:rPr lang="en-US" sz="1050" b="0" i="0" dirty="0">
+                <a:solidFill>
+                  <a:srgbClr val="2D2F31"/>
+                </a:solidFill>
+                <a:effectLst/>
+                <a:latin typeface="Udemy Sans"/>
+              </a:rPr>
+              <a:t>So now it is your mission to solve this problem using what you've learned about the paragraph element.</a:t>
+            </a:r>
+          </a:p>
+          <a:p>
+            <a:pPr algn="l"/>
+            <a:r>
+              <a:rPr lang="en-US" sz="1050" b="0" i="0" dirty="0">
+                <a:solidFill>
+                  <a:srgbClr val="2D2F31"/>
+                </a:solidFill>
+                <a:effectLst/>
+                <a:latin typeface="Udemy Sans"/>
+              </a:rPr>
+              <a:t>So go ahead and format these three paragraphs using the paragraph tag and once you're done, you should</a:t>
+            </a:r>
+          </a:p>
+          <a:p>
+            <a:pPr algn="l"/>
+            <a:r>
+              <a:rPr lang="en-US" sz="1050" b="0" i="0" dirty="0">
+                <a:solidFill>
+                  <a:srgbClr val="2D2F31"/>
+                </a:solidFill>
+                <a:effectLst/>
+                <a:latin typeface="Udemy Sans"/>
+              </a:rPr>
+              <a:t>see the preview</a:t>
+            </a:r>
+          </a:p>
+          <a:p>
+            <a:pPr algn="l"/>
+            <a:r>
+              <a:rPr lang="en-US" sz="1050" b="0" i="0" dirty="0">
+                <a:solidFill>
+                  <a:srgbClr val="2D2F31"/>
+                </a:solidFill>
+                <a:effectLst/>
+                <a:latin typeface="Udemy Sans"/>
+              </a:rPr>
+              <a:t>show something like this, where each paragraph is separated into new lines and clearly, visually, we're</a:t>
+            </a:r>
+          </a:p>
+          <a:p>
+            <a:pPr algn="l"/>
+            <a:r>
+              <a:rPr lang="en-US" sz="1050" b="0" i="0" dirty="0">
+                <a:solidFill>
+                  <a:srgbClr val="2D2F31"/>
+                </a:solidFill>
+                <a:effectLst/>
+                <a:latin typeface="Udemy Sans"/>
+              </a:rPr>
+              <a:t>able to see the difference and we're able to distinguish these three different paragraphs.</a:t>
+            </a:r>
+          </a:p>
+          <a:p>
+            <a:pPr algn="l"/>
+            <a:r>
+              <a:rPr lang="en-US" sz="1050" b="0" i="0" dirty="0">
+                <a:solidFill>
+                  <a:srgbClr val="2D2F31"/>
+                </a:solidFill>
+                <a:effectLst/>
+                <a:latin typeface="Udemy Sans"/>
+              </a:rPr>
+              <a:t>Pause the video now, and once you're done, we'll go through the solution together.</a:t>
+            </a:r>
+          </a:p>
+          <a:p>
+            <a:pPr algn="l"/>
+            <a:r>
+              <a:rPr lang="en-US" sz="1050" b="0" i="0" dirty="0">
+                <a:solidFill>
+                  <a:srgbClr val="2D2F31"/>
+                </a:solidFill>
+                <a:effectLst/>
+                <a:latin typeface="Udemy Sans"/>
+              </a:rPr>
+              <a:t>All right.</a:t>
+            </a:r>
+          </a:p>
+          <a:p>
+            <a:pPr algn="l"/>
+            <a:r>
+              <a:rPr lang="en-US" sz="1050" b="0" i="0" dirty="0">
+                <a:solidFill>
+                  <a:srgbClr val="2D2F31"/>
+                </a:solidFill>
+                <a:effectLst/>
+                <a:latin typeface="Udemy Sans"/>
+              </a:rPr>
+              <a:t>We're going to use our paragraph tag.</a:t>
+            </a:r>
+          </a:p>
+          <a:p>
+            <a:pPr algn="l"/>
+            <a:r>
+              <a:rPr lang="en-US" sz="1050" b="0" i="0" dirty="0">
+                <a:solidFill>
+                  <a:srgbClr val="2D2F31"/>
+                </a:solidFill>
+                <a:effectLst/>
+                <a:latin typeface="Udemy Sans"/>
+              </a:rPr>
+              <a:t>So we're going to put the open tag here just in front of our first paragraph, and then we're going</a:t>
+            </a:r>
+          </a:p>
+          <a:p>
+            <a:pPr algn="l"/>
+            <a:r>
+              <a:rPr lang="en-US" sz="1050" b="0" i="0" dirty="0">
+                <a:solidFill>
+                  <a:srgbClr val="2D2F31"/>
+                </a:solidFill>
+                <a:effectLst/>
+                <a:latin typeface="Udemy Sans"/>
+              </a:rPr>
+              <a:t>to put the closing tag at the very end of our first paragraph, and then we're going to repeat that</a:t>
+            </a:r>
+          </a:p>
+          <a:p>
+            <a:pPr algn="l"/>
+            <a:r>
+              <a:rPr lang="en-US" sz="1050" b="0" i="0" dirty="0">
+                <a:solidFill>
+                  <a:srgbClr val="2D2F31"/>
+                </a:solidFill>
+                <a:effectLst/>
+                <a:latin typeface="Udemy Sans"/>
+              </a:rPr>
+              <a:t>basically for all of the other paragraphs.</a:t>
+            </a:r>
+          </a:p>
+          <a:p>
+            <a:pPr algn="l"/>
+            <a:r>
+              <a:rPr lang="en-US" sz="1050" b="0" i="0" dirty="0">
+                <a:solidFill>
+                  <a:srgbClr val="2D2F31"/>
+                </a:solidFill>
+                <a:effectLst/>
+                <a:latin typeface="Udemy Sans"/>
+              </a:rPr>
+              <a:t>Now you can see here I'm just clicking and dragging.</a:t>
+            </a:r>
+          </a:p>
+          <a:p>
+            <a:pPr algn="l"/>
+            <a:r>
+              <a:rPr lang="en-US" sz="1050" b="0" i="0" dirty="0">
+                <a:solidFill>
+                  <a:srgbClr val="2D2F31"/>
+                </a:solidFill>
+                <a:effectLst/>
+                <a:latin typeface="Udemy Sans"/>
+              </a:rPr>
+              <a:t>Alternatively, you can cut it and then paste it at the very end of the paragraph.</a:t>
+            </a:r>
+          </a:p>
+          <a:p>
+            <a:pPr algn="l"/>
+            <a:r>
+              <a:rPr lang="en-US" sz="1050" b="0" i="0" dirty="0">
+                <a:solidFill>
+                  <a:srgbClr val="2D2F31"/>
+                </a:solidFill>
+                <a:effectLst/>
+                <a:latin typeface="Udemy Sans"/>
+              </a:rPr>
+              <a:t>It really doesn't matter how you do it, as long as you get those tags in the right places.</a:t>
+            </a:r>
+          </a:p>
+          <a:p>
+            <a:pPr algn="l"/>
+            <a:r>
+              <a:rPr lang="en-US" sz="1050" b="0" i="0" dirty="0">
+                <a:solidFill>
+                  <a:srgbClr val="2D2F31"/>
+                </a:solidFill>
+                <a:effectLst/>
+                <a:latin typeface="Udemy Sans"/>
+              </a:rPr>
+              <a:t>And now hopefully, your preview should have updated and you can see these paragraphs forming as we type.</a:t>
+            </a:r>
+          </a:p>
+          <a:p>
+            <a:pPr algn="l"/>
+            <a:r>
+              <a:rPr lang="en-US" sz="1050" b="0" i="0" dirty="0">
+                <a:solidFill>
+                  <a:srgbClr val="2D2F31"/>
+                </a:solidFill>
+                <a:effectLst/>
+                <a:latin typeface="Udemy Sans"/>
+              </a:rPr>
+              <a:t>So this looks pretty much the same as our goal.</a:t>
+            </a:r>
+          </a:p>
+          <a:p>
+            <a:pPr algn="l"/>
+            <a:r>
+              <a:rPr lang="en-US" sz="1050" b="0" i="0" dirty="0">
+                <a:solidFill>
+                  <a:srgbClr val="2D2F31"/>
+                </a:solidFill>
+                <a:effectLst/>
+                <a:latin typeface="Udemy Sans"/>
+              </a:rPr>
+              <a:t>And if you check the solution HTML, you should see the, "&lt;p&gt;" tags in the correct places as well.</a:t>
+            </a:r>
+          </a:p>
+          <a:p>
+            <a:pPr algn="l"/>
+            <a:r>
+              <a:rPr lang="en-US" sz="1050" b="0" i="0" dirty="0">
+                <a:solidFill>
+                  <a:srgbClr val="2D2F31"/>
+                </a:solidFill>
+                <a:effectLst/>
+                <a:latin typeface="Udemy Sans"/>
+              </a:rPr>
+              <a:t>So hopefully that wasn't too hard, and you were able to do it all by yourself and you've seen now what</a:t>
+            </a:r>
+          </a:p>
+          <a:p>
+            <a:pPr algn="l"/>
+            <a:r>
+              <a:rPr lang="en-US" sz="1050" b="0" i="0" dirty="0">
+                <a:solidFill>
+                  <a:srgbClr val="2D2F31"/>
+                </a:solidFill>
+                <a:effectLst/>
+                <a:latin typeface="Udemy Sans"/>
+              </a:rPr>
+              <a:t>is the benefit of using a paragraph element to separate text into different paragraphs of content.</a:t>
+            </a:r>
+          </a:p>
+          <a:p>
+            <a:pPr algn="l"/>
+            <a:r>
+              <a:rPr lang="en-US" sz="1050" b="0" i="0" dirty="0">
+                <a:solidFill>
+                  <a:srgbClr val="2D2F31"/>
+                </a:solidFill>
+                <a:effectLst/>
+                <a:latin typeface="Udemy Sans"/>
+              </a:rPr>
+              <a:t>Now, what you saw in the exercise are bits of placeholder text, and it's what we would refer to as</a:t>
+            </a:r>
+          </a:p>
+          <a:p>
+            <a:pPr algn="l"/>
+            <a:r>
+              <a:rPr lang="en-US" sz="1050" b="0" i="0" dirty="0">
+                <a:solidFill>
+                  <a:srgbClr val="2D2F31"/>
+                </a:solidFill>
+                <a:effectLst/>
+                <a:latin typeface="Udemy Sans"/>
+              </a:rPr>
+              <a:t>Lorem Ipsum.</a:t>
+            </a:r>
+          </a:p>
+          <a:p>
+            <a:pPr algn="l"/>
+            <a:r>
+              <a:rPr lang="en-US" sz="1050" b="0" i="0" dirty="0">
+                <a:solidFill>
+                  <a:srgbClr val="2D2F31"/>
+                </a:solidFill>
+                <a:effectLst/>
+                <a:latin typeface="Udemy Sans"/>
+              </a:rPr>
+              <a:t>It's something that you'll come across quite a lot, especially in web design.</a:t>
+            </a:r>
+          </a:p>
+          <a:p>
+            <a:pPr algn="l"/>
+            <a:r>
+              <a:rPr lang="en-US" sz="1050" b="0" i="0" dirty="0">
+                <a:solidFill>
+                  <a:srgbClr val="2D2F31"/>
+                </a:solidFill>
+                <a:effectLst/>
+                <a:latin typeface="Udemy Sans"/>
+              </a:rPr>
+              <a:t>It's so that we don't end up with something like this, where we're trying to simulate content in a paragraph,</a:t>
+            </a:r>
+          </a:p>
+          <a:p>
+            <a:pPr algn="l"/>
+            <a:r>
+              <a:rPr lang="en-US" sz="1050" b="0" i="0" dirty="0">
+                <a:solidFill>
+                  <a:srgbClr val="2D2F31"/>
+                </a:solidFill>
+                <a:effectLst/>
+                <a:latin typeface="Udemy Sans"/>
+              </a:rPr>
+              <a:t>but then we're just writing content, content, content, or this is a paragraph, this is a paragraph,</a:t>
+            </a:r>
+          </a:p>
+          <a:p>
+            <a:pPr algn="l"/>
+            <a:r>
+              <a:rPr lang="en-US" sz="1050" b="0" i="0" dirty="0">
+                <a:solidFill>
+                  <a:srgbClr val="2D2F31"/>
+                </a:solidFill>
+                <a:effectLst/>
+                <a:latin typeface="Udemy Sans"/>
+              </a:rPr>
+              <a:t>this is a paragraph.</a:t>
+            </a:r>
+          </a:p>
+          <a:p>
+            <a:pPr algn="l"/>
+            <a:r>
+              <a:rPr lang="en-US" sz="1050" b="0" i="0" dirty="0">
+                <a:solidFill>
+                  <a:srgbClr val="2D2F31"/>
+                </a:solidFill>
+                <a:effectLst/>
+                <a:latin typeface="Udemy Sans"/>
+              </a:rPr>
+              <a:t>And the reason why we don't want to do this is because these are all the same words.</a:t>
+            </a:r>
+          </a:p>
+          <a:p>
+            <a:pPr algn="l"/>
+            <a:r>
+              <a:rPr lang="en-US" sz="1050" b="0" i="0" dirty="0">
+                <a:solidFill>
+                  <a:srgbClr val="2D2F31"/>
+                </a:solidFill>
+                <a:effectLst/>
+                <a:latin typeface="Udemy Sans"/>
+              </a:rPr>
+              <a:t>The sentence has the same length.</a:t>
+            </a:r>
+          </a:p>
+          <a:p>
+            <a:pPr algn="l"/>
+            <a:r>
+              <a:rPr lang="en-US" sz="1050" b="0" i="0" dirty="0">
+                <a:solidFill>
+                  <a:srgbClr val="2D2F31"/>
+                </a:solidFill>
+                <a:effectLst/>
+                <a:latin typeface="Udemy Sans"/>
+              </a:rPr>
+              <a:t>It doesn't look like what a natural block of text would look like, and we don't have the time or energy</a:t>
+            </a:r>
+          </a:p>
+          <a:p>
+            <a:pPr algn="l"/>
+            <a:r>
+              <a:rPr lang="en-US" sz="1050" b="0" i="0" dirty="0">
+                <a:solidFill>
+                  <a:srgbClr val="2D2F31"/>
+                </a:solidFill>
+                <a:effectLst/>
+                <a:latin typeface="Udemy Sans"/>
+              </a:rPr>
+              <a:t>to actually create the content just for testing and web design.</a:t>
+            </a:r>
+          </a:p>
+          <a:p>
+            <a:pPr algn="l"/>
+            <a:r>
+              <a:rPr lang="en-US" sz="1050" b="0" i="0" dirty="0">
+                <a:solidFill>
+                  <a:srgbClr val="2D2F31"/>
+                </a:solidFill>
+                <a:effectLst/>
+                <a:latin typeface="Udemy Sans"/>
+              </a:rPr>
+              <a:t>So that's why we use something called Lorem Ipsum.</a:t>
+            </a:r>
+          </a:p>
+          <a:p>
+            <a:pPr algn="l"/>
+            <a:r>
+              <a:rPr lang="en-US" sz="1050" b="0" i="0" dirty="0">
+                <a:solidFill>
+                  <a:srgbClr val="2D2F31"/>
+                </a:solidFill>
+                <a:effectLst/>
+                <a:latin typeface="Udemy Sans"/>
+              </a:rPr>
+              <a:t>And Lorem ipsum apparently comes from Latin classical literature by a famous author called Cicero,</a:t>
+            </a:r>
+          </a:p>
+          <a:p>
+            <a:pPr algn="l"/>
+            <a:r>
+              <a:rPr lang="en-US" sz="1050" b="0" i="0" dirty="0">
+                <a:solidFill>
+                  <a:srgbClr val="2D2F31"/>
+                </a:solidFill>
+                <a:effectLst/>
+                <a:latin typeface="Udemy Sans"/>
+              </a:rPr>
+              <a:t>if you've heard of him, and it's over 2000 years old and this has been in use in the print industry for</a:t>
+            </a:r>
+          </a:p>
+          <a:p>
+            <a:pPr algn="l"/>
+            <a:r>
+              <a:rPr lang="en-US" sz="1050" b="0" i="0" dirty="0">
+                <a:solidFill>
+                  <a:srgbClr val="2D2F31"/>
+                </a:solidFill>
+                <a:effectLst/>
+                <a:latin typeface="Udemy Sans"/>
+              </a:rPr>
+              <a:t>many, many years, ever since the 1500s, even, where people started laying out newspapers and when</a:t>
+            </a:r>
+          </a:p>
+          <a:p>
+            <a:pPr algn="l"/>
+            <a:r>
+              <a:rPr lang="en-US" sz="1050" b="0" i="0" dirty="0">
+                <a:solidFill>
+                  <a:srgbClr val="2D2F31"/>
+                </a:solidFill>
+                <a:effectLst/>
+                <a:latin typeface="Udemy Sans"/>
+              </a:rPr>
+              <a:t>they didn't have the content for the layout, they would use this placeholder text.</a:t>
+            </a:r>
+          </a:p>
+          <a:p>
+            <a:pPr algn="l"/>
+            <a:r>
+              <a:rPr lang="en-US" sz="1050" b="0" i="0" dirty="0">
+                <a:solidFill>
+                  <a:srgbClr val="2D2F31"/>
+                </a:solidFill>
+                <a:effectLst/>
+                <a:latin typeface="Udemy Sans"/>
+              </a:rPr>
+              <a:t>If you want to get hold of them, you can go over to lipsum.com and there you'll find Lorem ipsum even in</a:t>
+            </a:r>
+          </a:p>
+          <a:p>
+            <a:pPr algn="l"/>
+            <a:r>
+              <a:rPr lang="en-US" sz="1050" b="0" i="0" dirty="0">
+                <a:solidFill>
+                  <a:srgbClr val="2D2F31"/>
+                </a:solidFill>
+                <a:effectLst/>
+                <a:latin typeface="Udemy Sans"/>
+              </a:rPr>
+              <a:t>different languages like Dutch or Polish, and you can use this tool to generate as many paragraphs,</a:t>
+            </a:r>
+          </a:p>
+          <a:p>
+            <a:pPr algn="l"/>
+            <a:r>
+              <a:rPr lang="en-US" sz="1050" b="0" i="0" dirty="0">
+                <a:solidFill>
+                  <a:srgbClr val="2D2F31"/>
+                </a:solidFill>
+                <a:effectLst/>
+                <a:latin typeface="Udemy Sans"/>
+              </a:rPr>
+              <a:t>or words, or bytes, or lists as you need by simply using this Generate button.</a:t>
+            </a:r>
+          </a:p>
+          <a:p>
+            <a:pPr algn="l"/>
+            <a:r>
+              <a:rPr lang="en-US" sz="1050" b="0" i="0" dirty="0">
+                <a:solidFill>
+                  <a:srgbClr val="2D2F31"/>
+                </a:solidFill>
+                <a:effectLst/>
+                <a:latin typeface="Udemy Sans"/>
+              </a:rPr>
+              <a:t>And here I've got five paragraphs ready to go to put into my new web design.</a:t>
+            </a:r>
+          </a:p>
+          <a:p>
+            <a:pPr algn="l"/>
+            <a:r>
+              <a:rPr lang="en-US" sz="1050" b="0" i="0" dirty="0">
+                <a:solidFill>
+                  <a:srgbClr val="2D2F31"/>
+                </a:solidFill>
+                <a:effectLst/>
+                <a:latin typeface="Udemy Sans"/>
+              </a:rPr>
+              <a:t>Now, instead of having something that looks like this where everything's all the same length, instead</a:t>
+            </a:r>
+          </a:p>
+          <a:p>
+            <a:pPr algn="l"/>
+            <a:r>
+              <a:rPr lang="en-US" sz="1050" b="0" i="0" dirty="0">
+                <a:solidFill>
+                  <a:srgbClr val="2D2F31"/>
+                </a:solidFill>
+                <a:effectLst/>
+                <a:latin typeface="Udemy Sans"/>
+              </a:rPr>
+              <a:t>we have very natural looking paragraphs that mimic pretty much what a regular English article would</a:t>
+            </a:r>
+          </a:p>
+          <a:p>
+            <a:pPr algn="l"/>
+            <a:r>
+              <a:rPr lang="en-US" sz="1050" b="0" i="0" dirty="0">
+                <a:solidFill>
+                  <a:srgbClr val="2D2F31"/>
+                </a:solidFill>
+                <a:effectLst/>
+                <a:latin typeface="Udemy Sans"/>
+              </a:rPr>
+              <a:t>look like.</a:t>
+            </a:r>
+          </a:p>
+          <a:p>
+            <a:pPr algn="l"/>
+            <a:r>
+              <a:rPr lang="en-US" sz="1050" b="0" i="0" dirty="0">
+                <a:solidFill>
+                  <a:srgbClr val="2D2F31"/>
+                </a:solidFill>
+                <a:effectLst/>
+                <a:latin typeface="Udemy Sans"/>
+              </a:rPr>
+              <a:t>And this is done in a matter of seconds using Lorem ipsum.</a:t>
+            </a:r>
+          </a:p>
+          <a:p>
+            <a:pPr algn="l"/>
+            <a:r>
+              <a:rPr lang="en-US" sz="1050" b="0" i="0" dirty="0">
+                <a:solidFill>
+                  <a:srgbClr val="2D2F31"/>
+                </a:solidFill>
+                <a:effectLst/>
+                <a:latin typeface="Udemy Sans"/>
+              </a:rPr>
+              <a:t>Now if Lorem ipsum is a little bit too boring for you, there's actually some novelty versions of this.</a:t>
+            </a:r>
+          </a:p>
+          <a:p>
+            <a:pPr algn="l"/>
+            <a:r>
+              <a:rPr lang="en-US" sz="1050" b="0" i="0" dirty="0">
+                <a:solidFill>
+                  <a:srgbClr val="2D2F31"/>
+                </a:solidFill>
+                <a:effectLst/>
+                <a:latin typeface="Udemy Sans"/>
+              </a:rPr>
+              <a:t>One of my favorite is baconipsum.com and it will generate similar to Lorem ipsum, but then you'll</a:t>
+            </a:r>
+          </a:p>
+          <a:p>
+            <a:pPr algn="l"/>
+            <a:r>
+              <a:rPr lang="en-US" sz="1050" b="0" i="0" dirty="0">
+                <a:solidFill>
+                  <a:srgbClr val="2D2F31"/>
+                </a:solidFill>
+                <a:effectLst/>
+                <a:latin typeface="Udemy Sans"/>
+              </a:rPr>
+              <a:t>get words like bacon and flank and pork loin and pork belly.</a:t>
+            </a:r>
+          </a:p>
+          <a:p>
+            <a:pPr algn="l"/>
+            <a:r>
+              <a:rPr lang="en-US" sz="1050" b="0" i="0" dirty="0">
+                <a:solidFill>
+                  <a:srgbClr val="2D2F31"/>
+                </a:solidFill>
+                <a:effectLst/>
+                <a:latin typeface="Udemy Sans"/>
+              </a:rPr>
+              <a:t>Now if you're not a meat eater, then maybe you should try something like broipsum.com, where you can</a:t>
+            </a:r>
+          </a:p>
+          <a:p>
+            <a:pPr algn="l"/>
+            <a:r>
+              <a:rPr lang="en-US" sz="1050" b="0" i="0" dirty="0">
+                <a:solidFill>
+                  <a:srgbClr val="2D2F31"/>
+                </a:solidFill>
+                <a:effectLst/>
+                <a:latin typeface="Udemy Sans"/>
+              </a:rPr>
+              <a:t>have all of the bro terminology in a Lorem ipsum format.</a:t>
+            </a:r>
+          </a:p>
+          <a:p>
+            <a:pPr algn="l"/>
+            <a:r>
+              <a:rPr lang="en-US" sz="1050" b="0" i="0" dirty="0">
+                <a:solidFill>
+                  <a:srgbClr val="2D2F31"/>
+                </a:solidFill>
+                <a:effectLst/>
+                <a:latin typeface="Udemy Sans"/>
+              </a:rPr>
+              <a:t>And apparently, the things that Bro says are things like taco, pow </a:t>
+            </a:r>
+            <a:r>
+              <a:rPr lang="en-US" sz="1050" b="0" i="0" dirty="0" err="1">
+                <a:solidFill>
+                  <a:srgbClr val="2D2F31"/>
+                </a:solidFill>
+                <a:effectLst/>
+                <a:latin typeface="Udemy Sans"/>
+              </a:rPr>
+              <a:t>pow</a:t>
+            </a:r>
+            <a:r>
+              <a:rPr lang="en-US" sz="1050" b="0" i="0" dirty="0">
+                <a:solidFill>
+                  <a:srgbClr val="2D2F31"/>
+                </a:solidFill>
+                <a:effectLst/>
+                <a:latin typeface="Udemy Sans"/>
+              </a:rPr>
+              <a:t>, and washboard, and rail, and </a:t>
+            </a:r>
+            <a:r>
+              <a:rPr lang="en-US" sz="1050" b="0" i="0" dirty="0" err="1">
+                <a:solidFill>
+                  <a:srgbClr val="2D2F31"/>
+                </a:solidFill>
+                <a:effectLst/>
+                <a:latin typeface="Udemy Sans"/>
+              </a:rPr>
+              <a:t>heli</a:t>
+            </a:r>
+            <a:r>
+              <a:rPr lang="en-US" sz="1050" b="0" i="0" dirty="0">
+                <a:solidFill>
+                  <a:srgbClr val="2D2F31"/>
+                </a:solidFill>
+                <a:effectLst/>
+                <a:latin typeface="Udemy Sans"/>
+              </a:rPr>
+              <a:t> pow </a:t>
+            </a:r>
+            <a:r>
+              <a:rPr lang="en-US" sz="1050" b="0" i="0" dirty="0" err="1">
+                <a:solidFill>
+                  <a:srgbClr val="2D2F31"/>
+                </a:solidFill>
+                <a:effectLst/>
+                <a:latin typeface="Udemy Sans"/>
+              </a:rPr>
+              <a:t>pow</a:t>
+            </a:r>
+            <a:r>
+              <a:rPr lang="en-US" sz="1050" b="0" i="0" dirty="0">
+                <a:solidFill>
+                  <a:srgbClr val="2D2F31"/>
+                </a:solidFill>
+                <a:effectLst/>
+                <a:latin typeface="Udemy Sans"/>
+              </a:rPr>
+              <a:t>,</a:t>
+            </a:r>
+          </a:p>
+          <a:p>
+            <a:pPr algn="l"/>
+            <a:r>
+              <a:rPr lang="en-US" sz="1050" b="0" i="0" dirty="0">
+                <a:solidFill>
+                  <a:srgbClr val="2D2F31"/>
+                </a:solidFill>
+                <a:effectLst/>
+                <a:latin typeface="Udemy Sans"/>
+              </a:rPr>
+              <a:t>whatever it may be.</a:t>
+            </a:r>
+          </a:p>
+          <a:p>
+            <a:pPr algn="l"/>
+            <a:r>
+              <a:rPr lang="en-US" sz="1050" b="0" i="0" dirty="0">
+                <a:solidFill>
+                  <a:srgbClr val="2D2F31"/>
+                </a:solidFill>
+                <a:effectLst/>
+                <a:latin typeface="Udemy Sans"/>
+              </a:rPr>
+              <a:t>And if none of these take your fancy, then I recommend going on to Google and you can actually find</a:t>
+            </a:r>
+          </a:p>
+          <a:p>
+            <a:pPr algn="l"/>
+            <a:r>
+              <a:rPr lang="en-US" sz="1050" b="0" i="0" dirty="0">
+                <a:solidFill>
+                  <a:srgbClr val="2D2F31"/>
+                </a:solidFill>
+                <a:effectLst/>
+                <a:latin typeface="Udemy Sans"/>
+              </a:rPr>
+              <a:t>more of these kind of things by just searching for funny Lorem ipsum</a:t>
+            </a:r>
+          </a:p>
+          <a:p>
+            <a:pPr algn="l"/>
+            <a:r>
+              <a:rPr lang="en-US" sz="1050" b="0" i="0" dirty="0">
+                <a:solidFill>
+                  <a:srgbClr val="2D2F31"/>
+                </a:solidFill>
+                <a:effectLst/>
+                <a:latin typeface="Udemy Sans"/>
+              </a:rPr>
+              <a:t>and there's a whole bunch of different ones like Vegan Ipsum or Pirate Ipsum and you'll come across</a:t>
+            </a:r>
+          </a:p>
+          <a:p>
+            <a:pPr algn="l"/>
+            <a:r>
+              <a:rPr lang="en-US" sz="1050" b="0" i="0" dirty="0">
+                <a:solidFill>
+                  <a:srgbClr val="2D2F31"/>
+                </a:solidFill>
+                <a:effectLst/>
+                <a:latin typeface="Udemy Sans"/>
+              </a:rPr>
+              <a:t>all sorts of different placeholder text generators.</a:t>
+            </a:r>
+          </a:p>
+          <a:p>
+            <a:pPr algn="l"/>
+            <a:r>
+              <a:rPr lang="en-US" sz="1050" b="0" i="0" dirty="0">
+                <a:solidFill>
+                  <a:srgbClr val="2D2F31"/>
+                </a:solidFill>
+                <a:effectLst/>
+                <a:latin typeface="Udemy Sans"/>
+              </a:rPr>
+              <a:t>But the important thing is you know how to get hold of them and you can use it in your code.</a:t>
+            </a:r>
+          </a:p>
+          <a:p>
+            <a:pPr algn="l"/>
+            <a:r>
+              <a:rPr lang="en-US" sz="1050" b="0" i="0" dirty="0">
+                <a:solidFill>
+                  <a:srgbClr val="2D2F31"/>
+                </a:solidFill>
+                <a:effectLst/>
+                <a:latin typeface="Udemy Sans"/>
+              </a:rPr>
+              <a:t>So as an add-on challenge, if you want to, you can generate your own version of Lorem ipsum or Bacon</a:t>
+            </a:r>
+          </a:p>
+          <a:p>
+            <a:pPr algn="l"/>
+            <a:r>
+              <a:rPr lang="en-US" sz="1050" b="0" i="0" dirty="0">
+                <a:solidFill>
+                  <a:srgbClr val="2D2F31"/>
+                </a:solidFill>
+                <a:effectLst/>
+                <a:latin typeface="Udemy Sans"/>
+              </a:rPr>
+              <a:t>ipsum or Bro ipsum and you can create an article using the paragraph tag and the Lorem ipsum that you've</a:t>
+            </a:r>
+          </a:p>
+          <a:p>
+            <a:pPr algn="l"/>
+            <a:r>
+              <a:rPr lang="en-US" sz="1050" b="0" i="0" dirty="0">
+                <a:solidFill>
+                  <a:srgbClr val="2D2F31"/>
+                </a:solidFill>
+                <a:effectLst/>
+                <a:latin typeface="Udemy Sans"/>
+              </a:rPr>
+              <a:t>generated.</a:t>
+            </a:r>
+          </a:p>
+          <a:p>
+            <a:pPr algn="l"/>
+            <a:r>
+              <a:rPr lang="en-US" sz="1050" b="0" i="0" dirty="0">
+                <a:solidFill>
+                  <a:srgbClr val="2D2F31"/>
+                </a:solidFill>
+                <a:effectLst/>
+                <a:latin typeface="Udemy Sans"/>
+              </a:rPr>
+              <a:t>Feel free to modify the index.html in the coding exercise that we just completed.</a:t>
+            </a:r>
+          </a:p>
+          <a:p>
+            <a:pPr algn="l"/>
+            <a:r>
+              <a:rPr lang="en-US" sz="1050" b="0" i="0" dirty="0">
+                <a:solidFill>
+                  <a:srgbClr val="2D2F31"/>
+                </a:solidFill>
+                <a:effectLst/>
+                <a:latin typeface="Udemy Sans"/>
+              </a:rPr>
+              <a:t>So have a play around with that and be sure to comment in the Q&amp;A sections below</a:t>
+            </a:r>
+          </a:p>
+          <a:p>
+            <a:pPr algn="l"/>
+            <a:r>
+              <a:rPr lang="en-US" sz="1050" b="0" i="0" dirty="0">
+                <a:solidFill>
+                  <a:srgbClr val="2D2F31"/>
+                </a:solidFill>
+                <a:effectLst/>
+                <a:latin typeface="Udemy Sans"/>
+              </a:rPr>
+              <a:t>if you find some Lorem ipsum that you think is ridiculous, or really funny, or really cool, and I'll see</a:t>
+            </a:r>
+          </a:p>
+          <a:p>
+            <a:pPr algn="l"/>
+            <a:r>
+              <a:rPr lang="en-US" sz="1050" b="0" i="0" u="sng" dirty="0">
+                <a:solidFill>
+                  <a:srgbClr val="3B198F"/>
+                </a:solidFill>
+                <a:effectLst/>
+                <a:latin typeface="Udemy Sans"/>
+              </a:rPr>
+              <a:t>you on the next lesson.</a:t>
+            </a:r>
+          </a:p>
+          <a:p>
+            <a:endParaRPr lang="en-IN" sz="1050" dirty="0"/>
           </a:p>
         </p:txBody>
       </p:sp>
@@ -4146,6 +5431,753 @@
     <p:extLst>
       <p:ext uri="{BB962C8B-B14F-4D97-AF65-F5344CB8AC3E}">
         <p14:creationId xmlns:p14="http://schemas.microsoft.com/office/powerpoint/2010/main" val="2950657578"/>
+      </p:ext>
+    </p:extLst>
+  </p:cSld>
+  <p:clrMapOvr>
+    <a:masterClrMapping/>
+  </p:clrMapOvr>
+</p:sld>
+</file>
+
+<file path=ppt/slides/slide4.xml><?xml version="1.0" encoding="utf-8"?>
+<p:sld xmlns:a="http://schemas.openxmlformats.org/drawingml/2006/main" xmlns:r="http://schemas.openxmlformats.org/officeDocument/2006/relationships" xmlns:p="http://schemas.openxmlformats.org/presentationml/2006/main" showMasterSp="0">
+  <p:cSld>
+    <p:spTree>
+      <p:nvGrpSpPr>
+        <p:cNvPr id="1" name=""/>
+        <p:cNvGrpSpPr/>
+        <p:nvPr/>
+      </p:nvGrpSpPr>
+      <p:grpSpPr>
+        <a:xfrm>
+          <a:off x="0" y="0"/>
+          <a:ext cx="0" cy="0"/>
+          <a:chOff x="0" y="0"/>
+          <a:chExt cx="0" cy="0"/>
+        </a:xfrm>
+      </p:grpSpPr>
+      <p:sp>
+        <p:nvSpPr>
+          <p:cNvPr id="2" name="object 2"/>
+          <p:cNvSpPr/>
+          <p:nvPr/>
+        </p:nvSpPr>
+        <p:spPr>
+          <a:xfrm>
+            <a:off x="247857" y="8026783"/>
+            <a:ext cx="7121525" cy="10160"/>
+          </a:xfrm>
+          <a:custGeom>
+            <a:avLst/>
+            <a:gdLst/>
+            <a:ahLst/>
+            <a:cxnLst/>
+            <a:rect l="l" t="t" r="r" b="b"/>
+            <a:pathLst>
+              <a:path w="7121525" h="10159">
+                <a:moveTo>
+                  <a:pt x="7121149" y="9532"/>
+                </a:moveTo>
+                <a:lnTo>
+                  <a:pt x="0" y="9532"/>
+                </a:lnTo>
+                <a:lnTo>
+                  <a:pt x="0" y="0"/>
+                </a:lnTo>
+                <a:lnTo>
+                  <a:pt x="7121149" y="0"/>
+                </a:lnTo>
+                <a:lnTo>
+                  <a:pt x="7121149" y="9532"/>
+                </a:lnTo>
+                <a:close/>
+              </a:path>
+            </a:pathLst>
+          </a:custGeom>
+          <a:solidFill>
+            <a:srgbClr val="000000"/>
+          </a:solidFill>
+        </p:spPr>
+        <p:txBody>
+          <a:bodyPr wrap="square" lIns="0" tIns="0" rIns="0" bIns="0" rtlCol="0"/>
+          <a:lstStyle/>
+          <a:p>
+            <a:endParaRPr/>
+          </a:p>
+        </p:txBody>
+      </p:sp>
+      <p:sp>
+        <p:nvSpPr>
+          <p:cNvPr id="3" name="object 3"/>
+          <p:cNvSpPr/>
+          <p:nvPr/>
+        </p:nvSpPr>
+        <p:spPr>
+          <a:xfrm>
+            <a:off x="247853" y="8026793"/>
+            <a:ext cx="7121525" cy="2345690"/>
+          </a:xfrm>
+          <a:custGeom>
+            <a:avLst/>
+            <a:gdLst/>
+            <a:ahLst/>
+            <a:cxnLst/>
+            <a:rect l="l" t="t" r="r" b="b"/>
+            <a:pathLst>
+              <a:path w="7121525" h="2345690">
+                <a:moveTo>
+                  <a:pt x="7121144" y="0"/>
+                </a:moveTo>
+                <a:lnTo>
+                  <a:pt x="7111619" y="0"/>
+                </a:lnTo>
+                <a:lnTo>
+                  <a:pt x="7111619" y="2335580"/>
+                </a:lnTo>
+                <a:lnTo>
+                  <a:pt x="9537" y="2335580"/>
+                </a:lnTo>
+                <a:lnTo>
+                  <a:pt x="9537" y="0"/>
+                </a:lnTo>
+                <a:lnTo>
+                  <a:pt x="0" y="0"/>
+                </a:lnTo>
+                <a:lnTo>
+                  <a:pt x="0" y="2335580"/>
+                </a:lnTo>
+                <a:lnTo>
+                  <a:pt x="0" y="2345118"/>
+                </a:lnTo>
+                <a:lnTo>
+                  <a:pt x="9537" y="2345118"/>
+                </a:lnTo>
+                <a:lnTo>
+                  <a:pt x="7111619" y="2345118"/>
+                </a:lnTo>
+                <a:lnTo>
+                  <a:pt x="7121144" y="2345118"/>
+                </a:lnTo>
+                <a:lnTo>
+                  <a:pt x="7121144" y="2335580"/>
+                </a:lnTo>
+                <a:lnTo>
+                  <a:pt x="7121144" y="0"/>
+                </a:lnTo>
+                <a:close/>
+              </a:path>
+            </a:pathLst>
+          </a:custGeom>
+          <a:solidFill>
+            <a:srgbClr val="000000"/>
+          </a:solidFill>
+        </p:spPr>
+        <p:txBody>
+          <a:bodyPr wrap="square" lIns="0" tIns="0" rIns="0" bIns="0" rtlCol="0"/>
+          <a:lstStyle/>
+          <a:p>
+            <a:endParaRPr/>
+          </a:p>
+        </p:txBody>
+      </p:sp>
+      <p:sp>
+        <p:nvSpPr>
+          <p:cNvPr id="4" name="object 4"/>
+          <p:cNvSpPr/>
+          <p:nvPr/>
+        </p:nvSpPr>
+        <p:spPr>
+          <a:xfrm>
+            <a:off x="2106792" y="1706406"/>
+            <a:ext cx="5262245" cy="10160"/>
+          </a:xfrm>
+          <a:custGeom>
+            <a:avLst/>
+            <a:gdLst/>
+            <a:ahLst/>
+            <a:cxnLst/>
+            <a:rect l="l" t="t" r="r" b="b"/>
+            <a:pathLst>
+              <a:path w="5262245" h="10160">
+                <a:moveTo>
+                  <a:pt x="5262214" y="9532"/>
+                </a:moveTo>
+                <a:lnTo>
+                  <a:pt x="0" y="9532"/>
+                </a:lnTo>
+                <a:lnTo>
+                  <a:pt x="0" y="0"/>
+                </a:lnTo>
+                <a:lnTo>
+                  <a:pt x="5262214" y="0"/>
+                </a:lnTo>
+                <a:lnTo>
+                  <a:pt x="5262214" y="9532"/>
+                </a:lnTo>
+                <a:close/>
+              </a:path>
+            </a:pathLst>
+          </a:custGeom>
+          <a:solidFill>
+            <a:srgbClr val="000000"/>
+          </a:solidFill>
+        </p:spPr>
+        <p:txBody>
+          <a:bodyPr wrap="square" lIns="0" tIns="0" rIns="0" bIns="0" rtlCol="0"/>
+          <a:lstStyle/>
+          <a:p>
+            <a:endParaRPr/>
+          </a:p>
+        </p:txBody>
+      </p:sp>
+      <p:sp>
+        <p:nvSpPr>
+          <p:cNvPr id="5" name="object 5"/>
+          <p:cNvSpPr/>
+          <p:nvPr/>
+        </p:nvSpPr>
+        <p:spPr>
+          <a:xfrm>
+            <a:off x="247853" y="1706409"/>
+            <a:ext cx="7121525" cy="6330315"/>
+          </a:xfrm>
+          <a:custGeom>
+            <a:avLst/>
+            <a:gdLst/>
+            <a:ahLst/>
+            <a:cxnLst/>
+            <a:rect l="l" t="t" r="r" b="b"/>
+            <a:pathLst>
+              <a:path w="7121525" h="6330315">
+                <a:moveTo>
+                  <a:pt x="7121144" y="0"/>
+                </a:moveTo>
+                <a:lnTo>
+                  <a:pt x="7111619" y="0"/>
+                </a:lnTo>
+                <a:lnTo>
+                  <a:pt x="7111619" y="6320383"/>
+                </a:lnTo>
+                <a:lnTo>
+                  <a:pt x="1868462" y="6320383"/>
+                </a:lnTo>
+                <a:lnTo>
+                  <a:pt x="1868462" y="9537"/>
+                </a:lnTo>
+                <a:lnTo>
+                  <a:pt x="1868462" y="0"/>
+                </a:lnTo>
+                <a:lnTo>
+                  <a:pt x="1858937" y="0"/>
+                </a:lnTo>
+                <a:lnTo>
+                  <a:pt x="1858937" y="9537"/>
+                </a:lnTo>
+                <a:lnTo>
+                  <a:pt x="1858937" y="6320383"/>
+                </a:lnTo>
+                <a:lnTo>
+                  <a:pt x="9537" y="6320383"/>
+                </a:lnTo>
+                <a:lnTo>
+                  <a:pt x="9537" y="9537"/>
+                </a:lnTo>
+                <a:lnTo>
+                  <a:pt x="1858937" y="9537"/>
+                </a:lnTo>
+                <a:lnTo>
+                  <a:pt x="1858937" y="0"/>
+                </a:lnTo>
+                <a:lnTo>
+                  <a:pt x="9537" y="0"/>
+                </a:lnTo>
+                <a:lnTo>
+                  <a:pt x="0" y="0"/>
+                </a:lnTo>
+                <a:lnTo>
+                  <a:pt x="0" y="9537"/>
+                </a:lnTo>
+                <a:lnTo>
+                  <a:pt x="0" y="6320383"/>
+                </a:lnTo>
+                <a:lnTo>
+                  <a:pt x="0" y="6329908"/>
+                </a:lnTo>
+                <a:lnTo>
+                  <a:pt x="9537" y="6329908"/>
+                </a:lnTo>
+                <a:lnTo>
+                  <a:pt x="1858937" y="6329908"/>
+                </a:lnTo>
+                <a:lnTo>
+                  <a:pt x="1868462" y="6329908"/>
+                </a:lnTo>
+                <a:lnTo>
+                  <a:pt x="7111619" y="6329908"/>
+                </a:lnTo>
+                <a:lnTo>
+                  <a:pt x="7121144" y="6329908"/>
+                </a:lnTo>
+                <a:lnTo>
+                  <a:pt x="7121144" y="6320383"/>
+                </a:lnTo>
+                <a:lnTo>
+                  <a:pt x="7121144" y="0"/>
+                </a:lnTo>
+                <a:close/>
+              </a:path>
+            </a:pathLst>
+          </a:custGeom>
+          <a:solidFill>
+            <a:srgbClr val="000000"/>
+          </a:solidFill>
+        </p:spPr>
+        <p:txBody>
+          <a:bodyPr wrap="square" lIns="0" tIns="0" rIns="0" bIns="0" rtlCol="0"/>
+          <a:lstStyle/>
+          <a:p>
+            <a:endParaRPr/>
+          </a:p>
+        </p:txBody>
+      </p:sp>
+      <p:sp>
+        <p:nvSpPr>
+          <p:cNvPr id="6" name="object 6"/>
+          <p:cNvSpPr/>
+          <p:nvPr/>
+        </p:nvSpPr>
+        <p:spPr>
+          <a:xfrm>
+            <a:off x="247857" y="247857"/>
+            <a:ext cx="7121525" cy="10160"/>
+          </a:xfrm>
+          <a:custGeom>
+            <a:avLst/>
+            <a:gdLst/>
+            <a:ahLst/>
+            <a:cxnLst/>
+            <a:rect l="l" t="t" r="r" b="b"/>
+            <a:pathLst>
+              <a:path w="7121525" h="10160">
+                <a:moveTo>
+                  <a:pt x="7121149" y="9532"/>
+                </a:moveTo>
+                <a:lnTo>
+                  <a:pt x="0" y="9532"/>
+                </a:lnTo>
+                <a:lnTo>
+                  <a:pt x="0" y="0"/>
+                </a:lnTo>
+                <a:lnTo>
+                  <a:pt x="7121149" y="0"/>
+                </a:lnTo>
+                <a:lnTo>
+                  <a:pt x="7121149" y="9532"/>
+                </a:lnTo>
+                <a:close/>
+              </a:path>
+            </a:pathLst>
+          </a:custGeom>
+          <a:solidFill>
+            <a:srgbClr val="000000"/>
+          </a:solidFill>
+        </p:spPr>
+        <p:txBody>
+          <a:bodyPr wrap="square" lIns="0" tIns="0" rIns="0" bIns="0" rtlCol="0"/>
+          <a:lstStyle/>
+          <a:p>
+            <a:endParaRPr/>
+          </a:p>
+        </p:txBody>
+      </p:sp>
+      <p:grpSp>
+        <p:nvGrpSpPr>
+          <p:cNvPr id="7" name="object 7"/>
+          <p:cNvGrpSpPr/>
+          <p:nvPr/>
+        </p:nvGrpSpPr>
+        <p:grpSpPr>
+          <a:xfrm>
+            <a:off x="247857" y="247857"/>
+            <a:ext cx="7121525" cy="1468120"/>
+            <a:chOff x="247857" y="247857"/>
+            <a:chExt cx="7121525" cy="1468120"/>
+          </a:xfrm>
+        </p:grpSpPr>
+        <p:sp>
+          <p:nvSpPr>
+            <p:cNvPr id="8" name="object 8"/>
+            <p:cNvSpPr/>
+            <p:nvPr/>
+          </p:nvSpPr>
+          <p:spPr>
+            <a:xfrm>
+              <a:off x="247853" y="247865"/>
+              <a:ext cx="7121525" cy="1468120"/>
+            </a:xfrm>
+            <a:custGeom>
+              <a:avLst/>
+              <a:gdLst/>
+              <a:ahLst/>
+              <a:cxnLst/>
+              <a:rect l="l" t="t" r="r" b="b"/>
+              <a:pathLst>
+                <a:path w="7121525" h="1468120">
+                  <a:moveTo>
+                    <a:pt x="7121144" y="0"/>
+                  </a:moveTo>
+                  <a:lnTo>
+                    <a:pt x="7111619" y="0"/>
+                  </a:lnTo>
+                  <a:lnTo>
+                    <a:pt x="7111619" y="1458544"/>
+                  </a:lnTo>
+                  <a:lnTo>
+                    <a:pt x="9537" y="1458544"/>
+                  </a:lnTo>
+                  <a:lnTo>
+                    <a:pt x="9537" y="0"/>
+                  </a:lnTo>
+                  <a:lnTo>
+                    <a:pt x="0" y="0"/>
+                  </a:lnTo>
+                  <a:lnTo>
+                    <a:pt x="0" y="1458544"/>
+                  </a:lnTo>
+                  <a:lnTo>
+                    <a:pt x="0" y="1468081"/>
+                  </a:lnTo>
+                  <a:lnTo>
+                    <a:pt x="9537" y="1468081"/>
+                  </a:lnTo>
+                  <a:lnTo>
+                    <a:pt x="7111619" y="1468081"/>
+                  </a:lnTo>
+                  <a:lnTo>
+                    <a:pt x="7121144" y="1468081"/>
+                  </a:lnTo>
+                  <a:lnTo>
+                    <a:pt x="7121144" y="1458544"/>
+                  </a:lnTo>
+                  <a:lnTo>
+                    <a:pt x="7121144" y="0"/>
+                  </a:lnTo>
+                  <a:close/>
+                </a:path>
+              </a:pathLst>
+            </a:custGeom>
+            <a:solidFill>
+              <a:srgbClr val="000000"/>
+            </a:solidFill>
+          </p:spPr>
+          <p:txBody>
+            <a:bodyPr wrap="square" lIns="0" tIns="0" rIns="0" bIns="0" rtlCol="0"/>
+            <a:lstStyle/>
+            <a:p>
+              <a:endParaRPr/>
+            </a:p>
+          </p:txBody>
+        </p:sp>
+        <p:sp>
+          <p:nvSpPr>
+            <p:cNvPr id="9" name="object 9"/>
+            <p:cNvSpPr/>
+            <p:nvPr/>
+          </p:nvSpPr>
+          <p:spPr>
+            <a:xfrm>
+              <a:off x="352720" y="1124893"/>
+              <a:ext cx="6902450" cy="10160"/>
+            </a:xfrm>
+            <a:custGeom>
+              <a:avLst/>
+              <a:gdLst/>
+              <a:ahLst/>
+              <a:cxnLst/>
+              <a:rect l="l" t="t" r="r" b="b"/>
+              <a:pathLst>
+                <a:path w="6902450" h="10159">
+                  <a:moveTo>
+                    <a:pt x="6901890" y="9532"/>
+                  </a:moveTo>
+                  <a:lnTo>
+                    <a:pt x="0" y="9532"/>
+                  </a:lnTo>
+                  <a:lnTo>
+                    <a:pt x="0" y="0"/>
+                  </a:lnTo>
+                  <a:lnTo>
+                    <a:pt x="6901890" y="0"/>
+                  </a:lnTo>
+                  <a:lnTo>
+                    <a:pt x="6901890" y="9532"/>
+                  </a:lnTo>
+                  <a:close/>
+                </a:path>
+              </a:pathLst>
+            </a:custGeom>
+            <a:solidFill>
+              <a:srgbClr val="878787"/>
+            </a:solidFill>
+          </p:spPr>
+          <p:txBody>
+            <a:bodyPr wrap="square" lIns="0" tIns="0" rIns="0" bIns="0" rtlCol="0"/>
+            <a:lstStyle/>
+            <a:p>
+              <a:endParaRPr/>
+            </a:p>
+          </p:txBody>
+        </p:sp>
+      </p:grpSp>
+      <p:sp>
+        <p:nvSpPr>
+          <p:cNvPr id="10" name="object 10"/>
+          <p:cNvSpPr txBox="1"/>
+          <p:nvPr/>
+        </p:nvSpPr>
+        <p:spPr>
+          <a:xfrm>
+            <a:off x="301888" y="305129"/>
+            <a:ext cx="777240" cy="193675"/>
+          </a:xfrm>
+          <a:prstGeom prst="rect">
+            <a:avLst/>
+          </a:prstGeom>
+        </p:spPr>
+        <p:txBody>
+          <a:bodyPr vert="horz" wrap="square" lIns="0" tIns="12700" rIns="0" bIns="0" rtlCol="0">
+            <a:spAutoFit/>
+          </a:bodyPr>
+          <a:lstStyle/>
+          <a:p>
+            <a:pPr marL="12700">
+              <a:lnSpc>
+                <a:spcPct val="100000"/>
+              </a:lnSpc>
+              <a:spcBef>
+                <a:spcPts val="100"/>
+              </a:spcBef>
+            </a:pPr>
+            <a:r>
+              <a:rPr sz="1100" spc="-35" dirty="0">
+                <a:latin typeface="Verdana"/>
+                <a:cs typeface="Verdana"/>
+              </a:rPr>
+              <a:t>Topic/Title:</a:t>
+            </a:r>
+            <a:endParaRPr sz="1100">
+              <a:latin typeface="Verdana"/>
+              <a:cs typeface="Verdana"/>
+            </a:endParaRPr>
+          </a:p>
+        </p:txBody>
+      </p:sp>
+      <p:sp>
+        <p:nvSpPr>
+          <p:cNvPr id="11" name="object 11"/>
+          <p:cNvSpPr txBox="1"/>
+          <p:nvPr/>
+        </p:nvSpPr>
+        <p:spPr>
+          <a:xfrm>
+            <a:off x="281297" y="1696948"/>
+            <a:ext cx="1499870" cy="193675"/>
+          </a:xfrm>
+          <a:prstGeom prst="rect">
+            <a:avLst/>
+          </a:prstGeom>
+        </p:spPr>
+        <p:txBody>
+          <a:bodyPr vert="horz" wrap="square" lIns="0" tIns="12700" rIns="0" bIns="0" rtlCol="0">
+            <a:spAutoFit/>
+          </a:bodyPr>
+          <a:lstStyle/>
+          <a:p>
+            <a:pPr marL="12700">
+              <a:lnSpc>
+                <a:spcPct val="100000"/>
+              </a:lnSpc>
+              <a:spcBef>
+                <a:spcPts val="100"/>
+              </a:spcBef>
+            </a:pPr>
+            <a:r>
+              <a:rPr sz="1100" spc="-20" dirty="0">
+                <a:latin typeface="Verdana"/>
+                <a:cs typeface="Verdana"/>
+              </a:rPr>
+              <a:t>Keywords/Questions:</a:t>
+            </a:r>
+            <a:endParaRPr sz="1100">
+              <a:latin typeface="Verdana"/>
+              <a:cs typeface="Verdana"/>
+            </a:endParaRPr>
+          </a:p>
+        </p:txBody>
+      </p:sp>
+      <p:sp>
+        <p:nvSpPr>
+          <p:cNvPr id="12" name="object 12"/>
+          <p:cNvSpPr txBox="1"/>
+          <p:nvPr/>
+        </p:nvSpPr>
+        <p:spPr>
+          <a:xfrm>
+            <a:off x="2160823" y="1763678"/>
+            <a:ext cx="474980" cy="193675"/>
+          </a:xfrm>
+          <a:prstGeom prst="rect">
+            <a:avLst/>
+          </a:prstGeom>
+        </p:spPr>
+        <p:txBody>
+          <a:bodyPr vert="horz" wrap="square" lIns="0" tIns="12700" rIns="0" bIns="0" rtlCol="0">
+            <a:spAutoFit/>
+          </a:bodyPr>
+          <a:lstStyle/>
+          <a:p>
+            <a:pPr marL="12700">
+              <a:lnSpc>
+                <a:spcPct val="100000"/>
+              </a:lnSpc>
+              <a:spcBef>
+                <a:spcPts val="100"/>
+              </a:spcBef>
+            </a:pPr>
+            <a:r>
+              <a:rPr sz="1100" spc="5" dirty="0">
+                <a:latin typeface="Verdana"/>
+                <a:cs typeface="Verdana"/>
+              </a:rPr>
+              <a:t>Notes</a:t>
+            </a:r>
+            <a:r>
+              <a:rPr sz="1100" spc="5" dirty="0">
+                <a:latin typeface="Arial MT"/>
+                <a:cs typeface="Arial MT"/>
+              </a:rPr>
+              <a:t>:</a:t>
+            </a:r>
+            <a:endParaRPr sz="1100">
+              <a:latin typeface="Arial MT"/>
+              <a:cs typeface="Arial MT"/>
+            </a:endParaRPr>
+          </a:p>
+        </p:txBody>
+      </p:sp>
+      <p:sp>
+        <p:nvSpPr>
+          <p:cNvPr id="31" name="object 31"/>
+          <p:cNvSpPr txBox="1"/>
+          <p:nvPr/>
+        </p:nvSpPr>
+        <p:spPr>
+          <a:xfrm>
+            <a:off x="301888" y="8084056"/>
+            <a:ext cx="755015" cy="193675"/>
+          </a:xfrm>
+          <a:prstGeom prst="rect">
+            <a:avLst/>
+          </a:prstGeom>
+        </p:spPr>
+        <p:txBody>
+          <a:bodyPr vert="horz" wrap="square" lIns="0" tIns="12700" rIns="0" bIns="0" rtlCol="0">
+            <a:spAutoFit/>
+          </a:bodyPr>
+          <a:lstStyle/>
+          <a:p>
+            <a:pPr marL="12700">
+              <a:lnSpc>
+                <a:spcPct val="100000"/>
+              </a:lnSpc>
+              <a:spcBef>
+                <a:spcPts val="100"/>
+              </a:spcBef>
+            </a:pPr>
+            <a:r>
+              <a:rPr sz="1100" dirty="0">
+                <a:latin typeface="Verdana"/>
+                <a:cs typeface="Verdana"/>
+              </a:rPr>
+              <a:t>Summary</a:t>
+            </a:r>
+            <a:r>
+              <a:rPr sz="1100" dirty="0">
+                <a:latin typeface="Arial MT"/>
+                <a:cs typeface="Arial MT"/>
+              </a:rPr>
+              <a:t>:</a:t>
+            </a:r>
+            <a:endParaRPr sz="1100">
+              <a:latin typeface="Arial MT"/>
+              <a:cs typeface="Arial MT"/>
+            </a:endParaRPr>
+          </a:p>
+        </p:txBody>
+      </p:sp>
+      <p:pic>
+        <p:nvPicPr>
+          <p:cNvPr id="38" name="object 38"/>
+          <p:cNvPicPr/>
+          <p:nvPr/>
+        </p:nvPicPr>
+        <p:blipFill>
+          <a:blip r:embed="rId2" cstate="print"/>
+          <a:stretch>
+            <a:fillRect/>
+          </a:stretch>
+        </p:blipFill>
+        <p:spPr>
+          <a:xfrm>
+            <a:off x="6787494" y="314588"/>
+            <a:ext cx="514781" cy="390852"/>
+          </a:xfrm>
+          <a:prstGeom prst="rect">
+            <a:avLst/>
+          </a:prstGeom>
+        </p:spPr>
+      </p:pic>
+      <p:sp>
+        <p:nvSpPr>
+          <p:cNvPr id="39" name="TextBox 38">
+            <a:extLst>
+              <a:ext uri="{FF2B5EF4-FFF2-40B4-BE49-F238E27FC236}">
+                <a16:creationId xmlns:a16="http://schemas.microsoft.com/office/drawing/2014/main" id="{879029A8-42D2-4873-86EE-85E6CFEEA1C5}"/>
+              </a:ext>
+            </a:extLst>
+          </p:cNvPr>
+          <p:cNvSpPr txBox="1"/>
+          <p:nvPr/>
+        </p:nvSpPr>
+        <p:spPr>
+          <a:xfrm>
+            <a:off x="352716" y="765617"/>
+            <a:ext cx="5867400" cy="369332"/>
+          </a:xfrm>
+          <a:prstGeom prst="rect">
+            <a:avLst/>
+          </a:prstGeom>
+          <a:noFill/>
+        </p:spPr>
+        <p:txBody>
+          <a:bodyPr wrap="square" rtlCol="0">
+            <a:spAutoFit/>
+          </a:bodyPr>
+          <a:lstStyle/>
+          <a:p>
+            <a:r>
+              <a:rPr lang="en-US" dirty="0"/>
+              <a:t>Heading Tag</a:t>
+            </a:r>
+            <a:endParaRPr lang="en-IN" dirty="0"/>
+          </a:p>
+        </p:txBody>
+      </p:sp>
+    </p:spTree>
+    <p:extLst>
+      <p:ext uri="{BB962C8B-B14F-4D97-AF65-F5344CB8AC3E}">
+        <p14:creationId xmlns:p14="http://schemas.microsoft.com/office/powerpoint/2010/main" val="184494923"/>
       </p:ext>
     </p:extLst>
   </p:cSld>

--- a/udemy/notes/Notes.pptx
+++ b/udemy/notes/Notes.pptx
@@ -265,7 +265,7 @@
           <a:p>
             <a:fld id="{1D8BD707-D9CF-40AE-B4C6-C98DA3205C09}" type="datetimeFigureOut">
               <a:rPr lang="en-US"/>
-              <a:t>6/29/2024</a:t>
+              <a:t>7/26/2024</a:t>
             </a:fld>
             <a:endParaRPr lang="en-US"/>
           </a:p>
@@ -430,7 +430,7 @@
           <a:p>
             <a:fld id="{1D8BD707-D9CF-40AE-B4C6-C98DA3205C09}" type="datetimeFigureOut">
               <a:rPr lang="en-US"/>
-              <a:t>6/29/2024</a:t>
+              <a:t>7/26/2024</a:t>
             </a:fld>
             <a:endParaRPr lang="en-US"/>
           </a:p>
@@ -638,7 +638,7 @@
           <a:p>
             <a:fld id="{1D8BD707-D9CF-40AE-B4C6-C98DA3205C09}" type="datetimeFigureOut">
               <a:rPr lang="en-US"/>
-              <a:t>6/29/2024</a:t>
+              <a:t>7/26/2024</a:t>
             </a:fld>
             <a:endParaRPr lang="en-US"/>
           </a:p>
@@ -780,7 +780,7 @@
           <a:p>
             <a:fld id="{1D8BD707-D9CF-40AE-B4C6-C98DA3205C09}" type="datetimeFigureOut">
               <a:rPr lang="en-US"/>
-              <a:t>6/29/2024</a:t>
+              <a:t>7/26/2024</a:t>
             </a:fld>
             <a:endParaRPr lang="en-US"/>
           </a:p>
@@ -899,7 +899,7 @@
           <a:p>
             <a:fld id="{1D8BD707-D9CF-40AE-B4C6-C98DA3205C09}" type="datetimeFigureOut">
               <a:rPr lang="en-US"/>
-              <a:t>6/29/2024</a:t>
+              <a:t>7/26/2024</a:t>
             </a:fld>
             <a:endParaRPr lang="en-US"/>
           </a:p>
@@ -1112,7 +1112,7 @@
           <a:p>
             <a:fld id="{1D8BD707-D9CF-40AE-B4C6-C98DA3205C09}" type="datetimeFigureOut">
               <a:rPr lang="en-US"/>
-              <a:t>6/29/2024</a:t>
+              <a:t>7/26/2024</a:t>
             </a:fld>
             <a:endParaRPr lang="en-US"/>
           </a:p>
@@ -4136,10 +4136,9 @@
           <a:lstStyle/>
           <a:p>
             <a:r>
-              <a:rPr lang="en-US" dirty="0"/>
-              <a:t>Paragraph Tag</a:t>
-            </a:r>
-            <a:endParaRPr lang="en-IN" dirty="0"/>
+              <a:rPr lang="en-IN" dirty="0"/>
+              <a:t>Notes: HTML Paragraph Element</a:t>
+            </a:r>
           </a:p>
         </p:txBody>
       </p:sp>
@@ -4148,7 +4147,7 @@
           <p:cNvPr id="13" name="TextBox 12">
             <a:extLst>
               <a:ext uri="{FF2B5EF4-FFF2-40B4-BE49-F238E27FC236}">
-                <a16:creationId xmlns:a16="http://schemas.microsoft.com/office/drawing/2014/main" id="{5DEF0336-F58C-4A64-B987-1A9A02D9F675}"/>
+                <a16:creationId xmlns:a16="http://schemas.microsoft.com/office/drawing/2014/main" id="{BB42CBCA-17D8-4CC8-A051-0CDC84ECB946}"/>
               </a:ext>
             </a:extLst>
           </p:cNvPr>
@@ -4157,8 +4156,8 @@
         </p:nvSpPr>
         <p:spPr>
           <a:xfrm>
-            <a:off x="2278729" y="2008175"/>
-            <a:ext cx="4918370" cy="23683406"/>
+            <a:off x="2260600" y="1982798"/>
+            <a:ext cx="4994570" cy="5909310"/>
           </a:xfrm>
           <a:prstGeom prst="rect">
             <a:avLst/>
@@ -4171,1266 +4170,176 @@
           </a:bodyPr>
           <a:lstStyle/>
           <a:p>
-            <a:pPr algn="l"/>
-            <a:r>
-              <a:rPr lang="en-US" sz="1050" dirty="0">
-                <a:solidFill>
-                  <a:srgbClr val="2D2F31"/>
-                </a:solidFill>
-                <a:latin typeface="Udemy Sans"/>
-              </a:rPr>
-              <a:t>T</a:t>
-            </a:r>
-            <a:r>
-              <a:rPr lang="en-US" sz="1050" b="0" i="0" dirty="0">
-                <a:solidFill>
-                  <a:srgbClr val="2D2F31"/>
-                </a:solidFill>
-                <a:effectLst/>
-                <a:latin typeface="Udemy Sans"/>
-              </a:rPr>
-              <a:t>he paragraph element.</a:t>
-            </a:r>
-          </a:p>
-          <a:p>
-            <a:pPr algn="l"/>
-            <a:r>
-              <a:rPr lang="en-US" sz="1050" b="0" i="0" dirty="0">
-                <a:solidFill>
-                  <a:srgbClr val="2D2F31"/>
-                </a:solidFill>
-                <a:effectLst/>
-                <a:latin typeface="Udemy Sans"/>
-              </a:rPr>
-              <a:t>And this is also related to formatting and putting text on our websites.</a:t>
-            </a:r>
-          </a:p>
-          <a:p>
-            <a:pPr algn="l"/>
-            <a:r>
-              <a:rPr lang="en-US" sz="1050" b="0" i="0" dirty="0">
-                <a:solidFill>
-                  <a:srgbClr val="2D2F31"/>
-                </a:solidFill>
-                <a:effectLst/>
-                <a:latin typeface="Udemy Sans"/>
-              </a:rPr>
-              <a:t>This is what a paragraph element looks like and similar to the heading element, you've got the opening</a:t>
-            </a:r>
-          </a:p>
-          <a:p>
-            <a:pPr algn="l"/>
-            <a:r>
-              <a:rPr lang="en-US" sz="1050" b="0" i="0" dirty="0">
-                <a:solidFill>
-                  <a:srgbClr val="2D2F31"/>
-                </a:solidFill>
-                <a:effectLst/>
-                <a:latin typeface="Udemy Sans"/>
-              </a:rPr>
-              <a:t>tag (&lt;p&gt;) and the closing tag (&lt;/p&gt;), and in between you've got the content that is going to be your paragraph.</a:t>
-            </a:r>
-          </a:p>
-          <a:p>
-            <a:pPr algn="l"/>
-            <a:r>
-              <a:rPr lang="en-US" sz="1050" b="0" i="0" dirty="0">
-                <a:solidFill>
-                  <a:srgbClr val="2D2F31"/>
-                </a:solidFill>
-                <a:effectLst/>
-                <a:latin typeface="Udemy Sans"/>
-              </a:rPr>
-              <a:t>Now the reason why we need a paragraph tag is because if you just had plain text in your HTML document,</a:t>
-            </a:r>
-          </a:p>
-          <a:p>
-            <a:pPr algn="l"/>
-            <a:r>
-              <a:rPr lang="en-US" sz="1050" b="0" i="0" dirty="0">
-                <a:solidFill>
-                  <a:srgbClr val="2D2F31"/>
-                </a:solidFill>
-                <a:effectLst/>
-                <a:latin typeface="Udemy Sans"/>
-              </a:rPr>
-              <a:t>when you run the code and you see it on a website, what you'll see is something like this.</a:t>
-            </a:r>
-          </a:p>
-          <a:p>
-            <a:pPr algn="l"/>
-            <a:r>
-              <a:rPr lang="en-US" sz="1050" b="0" i="0" dirty="0">
-                <a:solidFill>
-                  <a:srgbClr val="2D2F31"/>
-                </a:solidFill>
-                <a:effectLst/>
-                <a:latin typeface="Udemy Sans"/>
-              </a:rPr>
-              <a:t>The text, they run into each other onto the same line and you can't actually tell where one paragraph</a:t>
-            </a:r>
-          </a:p>
-          <a:p>
-            <a:pPr algn="l"/>
-            <a:r>
-              <a:rPr lang="en-US" sz="1050" b="0" i="0" dirty="0">
-                <a:solidFill>
-                  <a:srgbClr val="2D2F31"/>
-                </a:solidFill>
-                <a:effectLst/>
-                <a:latin typeface="Udemy Sans"/>
-              </a:rPr>
-              <a:t>begins and where the other ends.</a:t>
-            </a:r>
-          </a:p>
-          <a:p>
-            <a:pPr algn="l"/>
-            <a:r>
-              <a:rPr lang="en-US" sz="1050" b="0" i="0" dirty="0">
-                <a:solidFill>
-                  <a:srgbClr val="2D2F31"/>
-                </a:solidFill>
-                <a:effectLst/>
-                <a:latin typeface="Udemy Sans"/>
-              </a:rPr>
-              <a:t>On the other hand, if we had created two paragraph elements for these two lines, then when we run</a:t>
-            </a:r>
-          </a:p>
-          <a:p>
-            <a:pPr algn="l"/>
-            <a:r>
-              <a:rPr lang="en-US" sz="1050" b="0" i="0" dirty="0">
-                <a:solidFill>
-                  <a:srgbClr val="2D2F31"/>
-                </a:solidFill>
-                <a:effectLst/>
-                <a:latin typeface="Udemy Sans"/>
-              </a:rPr>
-              <a:t>the code you will see them being separated with a line in between to be able to distinguish the different</a:t>
-            </a:r>
-          </a:p>
-          <a:p>
-            <a:pPr algn="l"/>
-            <a:r>
-              <a:rPr lang="en-US" sz="1050" b="0" i="0" dirty="0">
-                <a:solidFill>
-                  <a:srgbClr val="2D2F31"/>
-                </a:solidFill>
-                <a:effectLst/>
-                <a:latin typeface="Udemy Sans"/>
-              </a:rPr>
-              <a:t>paragraphs.</a:t>
-            </a:r>
-          </a:p>
-          <a:p>
-            <a:pPr algn="l"/>
-            <a:r>
-              <a:rPr lang="en-US" sz="1050" b="0" i="0" dirty="0">
-                <a:solidFill>
-                  <a:srgbClr val="2D2F31"/>
-                </a:solidFill>
-                <a:effectLst/>
-                <a:latin typeface="Udemy Sans"/>
-              </a:rPr>
-              <a:t>And this is also really important for people who are using screen readers, so people who might be blind,</a:t>
-            </a:r>
-          </a:p>
-          <a:p>
-            <a:pPr algn="l"/>
-            <a:r>
-              <a:rPr lang="en-US" sz="1050" b="0" i="0" dirty="0">
-                <a:solidFill>
-                  <a:srgbClr val="2D2F31"/>
-                </a:solidFill>
-                <a:effectLst/>
-                <a:latin typeface="Udemy Sans"/>
-              </a:rPr>
-              <a:t>because what the screen reader will do is they'll see the beginning of each paragraph element and it</a:t>
-            </a:r>
-          </a:p>
-          <a:p>
-            <a:pPr algn="l"/>
-            <a:r>
-              <a:rPr lang="en-US" sz="1050" b="0" i="0" dirty="0">
-                <a:solidFill>
-                  <a:srgbClr val="2D2F31"/>
-                </a:solidFill>
-                <a:effectLst/>
-                <a:latin typeface="Udemy Sans"/>
-              </a:rPr>
-              <a:t>allows the blind user to be able to skip to the next paragraph easily and be able to see what's going</a:t>
-            </a:r>
-          </a:p>
-          <a:p>
-            <a:pPr algn="l"/>
-            <a:r>
-              <a:rPr lang="en-US" sz="1050" b="0" i="0" dirty="0">
-                <a:solidFill>
-                  <a:srgbClr val="2D2F31"/>
-                </a:solidFill>
-                <a:effectLst/>
-                <a:latin typeface="Udemy Sans"/>
-              </a:rPr>
-              <a:t>on each time.</a:t>
-            </a:r>
-          </a:p>
-          <a:p>
-            <a:pPr algn="l"/>
-            <a:r>
-              <a:rPr lang="en-US" sz="1050" b="0" i="0" dirty="0">
-                <a:solidFill>
-                  <a:srgbClr val="2D2F31"/>
-                </a:solidFill>
-                <a:effectLst/>
-                <a:latin typeface="Udemy Sans"/>
-              </a:rPr>
-              <a:t>Now let's put those skills into practice by trying an exercise using the paragraph element.</a:t>
-            </a:r>
-          </a:p>
-          <a:p>
-            <a:pPr algn="l"/>
-            <a:r>
-              <a:rPr lang="en-US" sz="1050" b="0" i="0" dirty="0">
-                <a:solidFill>
-                  <a:srgbClr val="2D2F31"/>
-                </a:solidFill>
-                <a:effectLst/>
-                <a:latin typeface="Udemy Sans"/>
-              </a:rPr>
-              <a:t>If you head over to the course resources for this lesson, you should be able to download the zipped file</a:t>
-            </a:r>
-          </a:p>
-          <a:p>
-            <a:pPr algn="l"/>
-            <a:r>
-              <a:rPr lang="en-US" sz="1050" b="0" i="0" dirty="0">
-                <a:solidFill>
-                  <a:srgbClr val="2D2F31"/>
-                </a:solidFill>
-                <a:effectLst/>
-                <a:latin typeface="Udemy Sans"/>
-              </a:rPr>
-              <a:t>for the 2.2 Paragraph Element</a:t>
-            </a:r>
-          </a:p>
-          <a:p>
-            <a:pPr algn="l"/>
-            <a:r>
-              <a:rPr lang="en-US" sz="1050" b="0" i="0" dirty="0">
-                <a:solidFill>
-                  <a:srgbClr val="2D2F31"/>
-                </a:solidFill>
-                <a:effectLst/>
-                <a:latin typeface="Udemy Sans"/>
-              </a:rPr>
-              <a:t>and once you've extracted and unzipped it, then go ahead and put it into your Web Development Projects</a:t>
-            </a:r>
-          </a:p>
-          <a:p>
-            <a:pPr algn="l"/>
-            <a:r>
-              <a:rPr lang="en-US" sz="1050" b="0" i="0" dirty="0">
-                <a:solidFill>
-                  <a:srgbClr val="2D2F31"/>
-                </a:solidFill>
-                <a:effectLst/>
-                <a:latin typeface="Udemy Sans"/>
-              </a:rPr>
-              <a:t>folder and then open it up inside VS Code.</a:t>
-            </a:r>
-          </a:p>
-          <a:p>
-            <a:pPr algn="l"/>
-            <a:r>
-              <a:rPr lang="en-US" sz="1050" b="0" i="0" dirty="0">
-                <a:solidFill>
-                  <a:srgbClr val="2D2F31"/>
-                </a:solidFill>
-                <a:effectLst/>
-                <a:latin typeface="Udemy Sans"/>
-              </a:rPr>
-              <a:t>I showed you how to do all of this in the previous lesson in HTML heading element as well as the initial</a:t>
-            </a:r>
-          </a:p>
-          <a:p>
-            <a:pPr algn="l"/>
-            <a:r>
-              <a:rPr lang="en-US" sz="1050" b="0" i="0" dirty="0">
-                <a:solidFill>
-                  <a:srgbClr val="2D2F31"/>
-                </a:solidFill>
-                <a:effectLst/>
-                <a:latin typeface="Udemy Sans"/>
-              </a:rPr>
-              <a:t>lesson when I showed you how to download course resources, so be sure to check those places if you</a:t>
-            </a:r>
-          </a:p>
-          <a:p>
-            <a:pPr algn="l"/>
-            <a:r>
-              <a:rPr lang="en-US" sz="1050" b="0" i="0" dirty="0">
-                <a:solidFill>
-                  <a:srgbClr val="2D2F31"/>
-                </a:solidFill>
-                <a:effectLst/>
-                <a:latin typeface="Udemy Sans"/>
-              </a:rPr>
-              <a:t>don't know how to get hold of this folder.</a:t>
-            </a:r>
-          </a:p>
-          <a:p>
-            <a:pPr algn="l"/>
-            <a:r>
-              <a:rPr lang="en-US" sz="1050" b="0" i="0" dirty="0">
-                <a:solidFill>
-                  <a:srgbClr val="2D2F31"/>
-                </a:solidFill>
-                <a:effectLst/>
-                <a:latin typeface="Udemy Sans"/>
-              </a:rPr>
-              <a:t>But once you have it opened up like this, then I want you to go ahead and open up the index.html file,</a:t>
-            </a:r>
-          </a:p>
-          <a:p>
-            <a:pPr algn="l"/>
-            <a:r>
-              <a:rPr lang="en-US" sz="1050" b="0" i="0" dirty="0">
-                <a:solidFill>
-                  <a:srgbClr val="2D2F31"/>
-                </a:solidFill>
-                <a:effectLst/>
-                <a:latin typeface="Udemy Sans"/>
-              </a:rPr>
-              <a:t>which as always, is where we're going to write our code.</a:t>
-            </a:r>
-          </a:p>
-          <a:p>
-            <a:pPr algn="l"/>
-            <a:r>
-              <a:rPr lang="en-US" sz="1050" b="0" i="0" dirty="0">
-                <a:solidFill>
-                  <a:srgbClr val="2D2F31"/>
-                </a:solidFill>
-                <a:effectLst/>
-                <a:latin typeface="Udemy Sans"/>
-              </a:rPr>
-              <a:t>Notice here we've got three paragraphs, the first paragraph, the second paragraph and the third paragraph.</a:t>
-            </a:r>
-          </a:p>
-          <a:p>
-            <a:pPr algn="l"/>
-            <a:r>
-              <a:rPr lang="en-US" sz="1050" b="0" i="0" dirty="0">
-                <a:solidFill>
-                  <a:srgbClr val="2D2F31"/>
-                </a:solidFill>
-                <a:effectLst/>
-                <a:latin typeface="Udemy Sans"/>
-              </a:rPr>
-              <a:t>And then there's some placeholder text in Latin, which doesn't mean anything.</a:t>
-            </a:r>
-          </a:p>
-          <a:p>
-            <a:pPr algn="l"/>
-            <a:r>
-              <a:rPr lang="en-US" sz="1050" b="0" i="0" dirty="0">
-                <a:solidFill>
-                  <a:srgbClr val="2D2F31"/>
-                </a:solidFill>
-                <a:effectLst/>
-                <a:latin typeface="Udemy Sans"/>
-              </a:rPr>
-              <a:t>It just is there so that you can see what a paragraph of text would look like.</a:t>
-            </a:r>
-          </a:p>
-          <a:p>
-            <a:pPr algn="l"/>
-            <a:r>
-              <a:rPr lang="en-US" sz="1050" b="0" i="0" dirty="0">
-                <a:solidFill>
-                  <a:srgbClr val="2D2F31"/>
-                </a:solidFill>
-                <a:effectLst/>
-                <a:latin typeface="Udemy Sans"/>
-              </a:rPr>
-              <a:t>And when you go ahead and right-click and Show Preview, you should see that all of the paragraphs are</a:t>
-            </a:r>
-          </a:p>
-          <a:p>
-            <a:pPr algn="l"/>
-            <a:r>
-              <a:rPr lang="en-US" sz="1050" b="0" i="0" dirty="0">
-                <a:solidFill>
-                  <a:srgbClr val="2D2F31"/>
-                </a:solidFill>
-                <a:effectLst/>
-                <a:latin typeface="Udemy Sans"/>
-              </a:rPr>
-              <a:t>jumbled together into one long line and we can't tell where one paragraph begins and the other one ends.</a:t>
-            </a:r>
-          </a:p>
-          <a:p>
-            <a:pPr algn="l"/>
-            <a:r>
-              <a:rPr lang="en-US" sz="1050" b="0" i="0" dirty="0">
-                <a:solidFill>
-                  <a:srgbClr val="2D2F31"/>
-                </a:solidFill>
-                <a:effectLst/>
-                <a:latin typeface="Udemy Sans"/>
-              </a:rPr>
-              <a:t>So now it is your mission to solve this problem using what you've learned about the paragraph element.</a:t>
-            </a:r>
-          </a:p>
-          <a:p>
-            <a:pPr algn="l"/>
-            <a:r>
-              <a:rPr lang="en-US" sz="1050" b="0" i="0" dirty="0">
-                <a:solidFill>
-                  <a:srgbClr val="2D2F31"/>
-                </a:solidFill>
-                <a:effectLst/>
-                <a:latin typeface="Udemy Sans"/>
-              </a:rPr>
-              <a:t>So go ahead and format these three paragraphs using the paragraph tag and once you're done, you should</a:t>
-            </a:r>
-          </a:p>
-          <a:p>
-            <a:pPr algn="l"/>
-            <a:r>
-              <a:rPr lang="en-US" sz="1050" b="0" i="0" dirty="0">
-                <a:solidFill>
-                  <a:srgbClr val="2D2F31"/>
-                </a:solidFill>
-                <a:effectLst/>
-                <a:latin typeface="Udemy Sans"/>
-              </a:rPr>
-              <a:t>see the preview</a:t>
-            </a:r>
-          </a:p>
-          <a:p>
-            <a:pPr algn="l"/>
-            <a:r>
-              <a:rPr lang="en-US" sz="1050" b="0" i="0" dirty="0">
-                <a:solidFill>
-                  <a:srgbClr val="2D2F31"/>
-                </a:solidFill>
-                <a:effectLst/>
-                <a:latin typeface="Udemy Sans"/>
-              </a:rPr>
-              <a:t>show something like this, where each paragraph is separated into new lines and clearly, visually, we're</a:t>
-            </a:r>
-          </a:p>
-          <a:p>
-            <a:pPr algn="l"/>
-            <a:r>
-              <a:rPr lang="en-US" sz="1050" b="0" i="0" dirty="0">
-                <a:solidFill>
-                  <a:srgbClr val="2D2F31"/>
-                </a:solidFill>
-                <a:effectLst/>
-                <a:latin typeface="Udemy Sans"/>
-              </a:rPr>
-              <a:t>able to see the difference and we're able to distinguish these three different paragraphs.</a:t>
-            </a:r>
-          </a:p>
-          <a:p>
-            <a:pPr algn="l"/>
-            <a:r>
-              <a:rPr lang="en-US" sz="1050" b="0" i="0" dirty="0">
-                <a:solidFill>
-                  <a:srgbClr val="2D2F31"/>
-                </a:solidFill>
-                <a:effectLst/>
-                <a:latin typeface="Udemy Sans"/>
-              </a:rPr>
-              <a:t>Pause the video now, and once you're done, we'll go through the solution together.</a:t>
-            </a:r>
-          </a:p>
-          <a:p>
-            <a:pPr algn="l"/>
-            <a:r>
-              <a:rPr lang="en-US" sz="1050" b="0" i="0" dirty="0">
-                <a:solidFill>
-                  <a:srgbClr val="2D2F31"/>
-                </a:solidFill>
-                <a:effectLst/>
-                <a:latin typeface="Udemy Sans"/>
-              </a:rPr>
-              <a:t>All right.</a:t>
-            </a:r>
-          </a:p>
-          <a:p>
-            <a:pPr algn="l"/>
-            <a:r>
-              <a:rPr lang="en-US" sz="1050" b="0" i="0" dirty="0">
-                <a:solidFill>
-                  <a:srgbClr val="2D2F31"/>
-                </a:solidFill>
-                <a:effectLst/>
-                <a:latin typeface="Udemy Sans"/>
-              </a:rPr>
-              <a:t>We're going to use our paragraph tag.</a:t>
-            </a:r>
-          </a:p>
-          <a:p>
-            <a:pPr algn="l"/>
-            <a:r>
-              <a:rPr lang="en-US" sz="1050" b="0" i="0" dirty="0">
-                <a:solidFill>
-                  <a:srgbClr val="2D2F31"/>
-                </a:solidFill>
-                <a:effectLst/>
-                <a:latin typeface="Udemy Sans"/>
-              </a:rPr>
-              <a:t>So we're going to put the open tag here just in front of our first paragraph, and then we're going</a:t>
-            </a:r>
-          </a:p>
-          <a:p>
-            <a:pPr algn="l"/>
-            <a:r>
-              <a:rPr lang="en-US" sz="1050" b="0" i="0" dirty="0">
-                <a:solidFill>
-                  <a:srgbClr val="2D2F31"/>
-                </a:solidFill>
-                <a:effectLst/>
-                <a:latin typeface="Udemy Sans"/>
-              </a:rPr>
-              <a:t>to put the closing tag at the very end of our first paragraph, and then we're going to repeat that</a:t>
-            </a:r>
-          </a:p>
-          <a:p>
-            <a:pPr algn="l"/>
-            <a:r>
-              <a:rPr lang="en-US" sz="1050" b="0" i="0" dirty="0">
-                <a:solidFill>
-                  <a:srgbClr val="2D2F31"/>
-                </a:solidFill>
-                <a:effectLst/>
-                <a:latin typeface="Udemy Sans"/>
-              </a:rPr>
-              <a:t>basically for all of the other paragraphs.</a:t>
-            </a:r>
-          </a:p>
-          <a:p>
-            <a:pPr algn="l"/>
-            <a:r>
-              <a:rPr lang="en-US" sz="1050" b="0" i="0" dirty="0">
-                <a:solidFill>
-                  <a:srgbClr val="2D2F31"/>
-                </a:solidFill>
-                <a:effectLst/>
-                <a:latin typeface="Udemy Sans"/>
-              </a:rPr>
-              <a:t>Now you can see here I'm just clicking and dragging.</a:t>
-            </a:r>
-          </a:p>
-          <a:p>
-            <a:pPr algn="l"/>
-            <a:r>
-              <a:rPr lang="en-US" sz="1050" b="0" i="0" dirty="0">
-                <a:solidFill>
-                  <a:srgbClr val="2D2F31"/>
-                </a:solidFill>
-                <a:effectLst/>
-                <a:latin typeface="Udemy Sans"/>
-              </a:rPr>
-              <a:t>Alternatively, you can cut it and then paste it at the very end of the paragraph.</a:t>
-            </a:r>
-          </a:p>
-          <a:p>
-            <a:pPr algn="l"/>
-            <a:r>
-              <a:rPr lang="en-US" sz="1050" b="0" i="0" dirty="0">
-                <a:solidFill>
-                  <a:srgbClr val="2D2F31"/>
-                </a:solidFill>
-                <a:effectLst/>
-                <a:latin typeface="Udemy Sans"/>
-              </a:rPr>
-              <a:t>It really doesn't matter how you do it, as long as you get those tags in the right places.</a:t>
-            </a:r>
-          </a:p>
-          <a:p>
-            <a:pPr algn="l"/>
-            <a:r>
-              <a:rPr lang="en-US" sz="1050" b="0" i="0" dirty="0">
-                <a:solidFill>
-                  <a:srgbClr val="2D2F31"/>
-                </a:solidFill>
-                <a:effectLst/>
-                <a:latin typeface="Udemy Sans"/>
-              </a:rPr>
-              <a:t>And now hopefully, your preview should have updated and you can see these paragraphs forming as we type.</a:t>
-            </a:r>
-          </a:p>
-          <a:p>
-            <a:pPr algn="l"/>
-            <a:r>
-              <a:rPr lang="en-US" sz="1050" b="0" i="0" dirty="0">
-                <a:solidFill>
-                  <a:srgbClr val="2D2F31"/>
-                </a:solidFill>
-                <a:effectLst/>
-                <a:latin typeface="Udemy Sans"/>
-              </a:rPr>
-              <a:t>So this looks pretty much the same as our goal.</a:t>
-            </a:r>
-          </a:p>
-          <a:p>
-            <a:pPr algn="l"/>
-            <a:r>
-              <a:rPr lang="en-US" sz="1050" b="0" i="0" dirty="0">
-                <a:solidFill>
-                  <a:srgbClr val="2D2F31"/>
-                </a:solidFill>
-                <a:effectLst/>
-                <a:latin typeface="Udemy Sans"/>
-              </a:rPr>
-              <a:t>And if you check the solution HTML, you should see the, "&lt;p&gt;" tags in the correct places as well.</a:t>
-            </a:r>
-          </a:p>
-          <a:p>
-            <a:pPr algn="l"/>
-            <a:r>
-              <a:rPr lang="en-US" sz="1050" b="0" i="0" dirty="0">
-                <a:solidFill>
-                  <a:srgbClr val="2D2F31"/>
-                </a:solidFill>
-                <a:effectLst/>
-                <a:latin typeface="Udemy Sans"/>
-              </a:rPr>
-              <a:t>So hopefully that wasn't too hard, and you were able to do it all by yourself and you've seen now what</a:t>
-            </a:r>
-          </a:p>
-          <a:p>
-            <a:pPr algn="l"/>
-            <a:r>
-              <a:rPr lang="en-US" sz="1050" b="0" i="0" dirty="0">
-                <a:solidFill>
-                  <a:srgbClr val="2D2F31"/>
-                </a:solidFill>
-                <a:effectLst/>
-                <a:latin typeface="Udemy Sans"/>
-              </a:rPr>
-              <a:t>is the benefit of using a paragraph element to separate text into different paragraphs of content.</a:t>
-            </a:r>
-          </a:p>
-          <a:p>
-            <a:pPr algn="l"/>
-            <a:r>
-              <a:rPr lang="en-US" sz="1050" b="0" i="0" dirty="0">
-                <a:solidFill>
-                  <a:srgbClr val="2D2F31"/>
-                </a:solidFill>
-                <a:effectLst/>
-                <a:latin typeface="Udemy Sans"/>
-              </a:rPr>
-              <a:t>Now, what you saw in the exercise are bits of placeholder text, and it's what we would refer to as</a:t>
-            </a:r>
-          </a:p>
-          <a:p>
-            <a:pPr algn="l"/>
-            <a:r>
-              <a:rPr lang="en-US" sz="1050" b="0" i="0" dirty="0">
-                <a:solidFill>
-                  <a:srgbClr val="2D2F31"/>
-                </a:solidFill>
-                <a:effectLst/>
-                <a:latin typeface="Udemy Sans"/>
-              </a:rPr>
-              <a:t>Lorem Ipsum.</a:t>
-            </a:r>
-          </a:p>
-          <a:p>
-            <a:pPr algn="l"/>
-            <a:r>
-              <a:rPr lang="en-US" sz="1050" b="0" i="0" dirty="0">
-                <a:solidFill>
-                  <a:srgbClr val="2D2F31"/>
-                </a:solidFill>
-                <a:effectLst/>
-                <a:latin typeface="Udemy Sans"/>
-              </a:rPr>
-              <a:t>It's something that you'll come across quite a lot, especially in web design.</a:t>
-            </a:r>
-          </a:p>
-          <a:p>
-            <a:pPr algn="l"/>
-            <a:r>
-              <a:rPr lang="en-US" sz="1050" b="0" i="0" dirty="0">
-                <a:solidFill>
-                  <a:srgbClr val="2D2F31"/>
-                </a:solidFill>
-                <a:effectLst/>
-                <a:latin typeface="Udemy Sans"/>
-              </a:rPr>
-              <a:t>It's so that we don't end up with something like this, where we're trying to simulate content in a paragraph,</a:t>
-            </a:r>
-          </a:p>
-          <a:p>
-            <a:pPr algn="l"/>
-            <a:r>
-              <a:rPr lang="en-US" sz="1050" b="0" i="0" dirty="0">
-                <a:solidFill>
-                  <a:srgbClr val="2D2F31"/>
-                </a:solidFill>
-                <a:effectLst/>
-                <a:latin typeface="Udemy Sans"/>
-              </a:rPr>
-              <a:t>but then we're just writing content, content, content, or this is a paragraph, this is a paragraph,</a:t>
-            </a:r>
-          </a:p>
-          <a:p>
-            <a:pPr algn="l"/>
-            <a:r>
-              <a:rPr lang="en-US" sz="1050" b="0" i="0" dirty="0">
-                <a:solidFill>
-                  <a:srgbClr val="2D2F31"/>
-                </a:solidFill>
-                <a:effectLst/>
-                <a:latin typeface="Udemy Sans"/>
-              </a:rPr>
-              <a:t>this is a paragraph.</a:t>
-            </a:r>
-          </a:p>
-          <a:p>
-            <a:pPr algn="l"/>
-            <a:r>
-              <a:rPr lang="en-US" sz="1050" b="0" i="0" dirty="0">
-                <a:solidFill>
-                  <a:srgbClr val="2D2F31"/>
-                </a:solidFill>
-                <a:effectLst/>
-                <a:latin typeface="Udemy Sans"/>
-              </a:rPr>
-              <a:t>And the reason why we don't want to do this is because these are all the same words.</a:t>
-            </a:r>
-          </a:p>
-          <a:p>
-            <a:pPr algn="l"/>
-            <a:r>
-              <a:rPr lang="en-US" sz="1050" b="0" i="0" dirty="0">
-                <a:solidFill>
-                  <a:srgbClr val="2D2F31"/>
-                </a:solidFill>
-                <a:effectLst/>
-                <a:latin typeface="Udemy Sans"/>
-              </a:rPr>
-              <a:t>The sentence has the same length.</a:t>
-            </a:r>
-          </a:p>
-          <a:p>
-            <a:pPr algn="l"/>
-            <a:r>
-              <a:rPr lang="en-US" sz="1050" b="0" i="0" dirty="0">
-                <a:solidFill>
-                  <a:srgbClr val="2D2F31"/>
-                </a:solidFill>
-                <a:effectLst/>
-                <a:latin typeface="Udemy Sans"/>
-              </a:rPr>
-              <a:t>It doesn't look like what a natural block of text would look like, and we don't have the time or energy</a:t>
-            </a:r>
-          </a:p>
-          <a:p>
-            <a:pPr algn="l"/>
-            <a:r>
-              <a:rPr lang="en-US" sz="1050" b="0" i="0" dirty="0">
-                <a:solidFill>
-                  <a:srgbClr val="2D2F31"/>
-                </a:solidFill>
-                <a:effectLst/>
-                <a:latin typeface="Udemy Sans"/>
-              </a:rPr>
-              <a:t>to actually create the content just for testing and web design.</a:t>
-            </a:r>
-          </a:p>
-          <a:p>
-            <a:pPr algn="l"/>
-            <a:r>
-              <a:rPr lang="en-US" sz="1050" b="0" i="0" dirty="0">
-                <a:solidFill>
-                  <a:srgbClr val="2D2F31"/>
-                </a:solidFill>
-                <a:effectLst/>
-                <a:latin typeface="Udemy Sans"/>
-              </a:rPr>
-              <a:t>So that's why we use something called Lorem Ipsum.</a:t>
-            </a:r>
-          </a:p>
-          <a:p>
-            <a:pPr algn="l"/>
-            <a:r>
-              <a:rPr lang="en-US" sz="1050" b="0" i="0" dirty="0">
-                <a:solidFill>
-                  <a:srgbClr val="2D2F31"/>
-                </a:solidFill>
-                <a:effectLst/>
-                <a:latin typeface="Udemy Sans"/>
-              </a:rPr>
-              <a:t>And Lorem ipsum apparently comes from Latin classical literature by a famous author called Cicero,</a:t>
-            </a:r>
-          </a:p>
-          <a:p>
-            <a:pPr algn="l"/>
-            <a:r>
-              <a:rPr lang="en-US" sz="1050" b="0" i="0" dirty="0">
-                <a:solidFill>
-                  <a:srgbClr val="2D2F31"/>
-                </a:solidFill>
-                <a:effectLst/>
-                <a:latin typeface="Udemy Sans"/>
-              </a:rPr>
-              <a:t>if you've heard of him, and it's over 2000 years old and this has been in use in the print industry for</a:t>
-            </a:r>
-          </a:p>
-          <a:p>
-            <a:pPr algn="l"/>
-            <a:r>
-              <a:rPr lang="en-US" sz="1050" b="0" i="0" dirty="0">
-                <a:solidFill>
-                  <a:srgbClr val="2D2F31"/>
-                </a:solidFill>
-                <a:effectLst/>
-                <a:latin typeface="Udemy Sans"/>
-              </a:rPr>
-              <a:t>many, many years, ever since the 1500s, even, where people started laying out newspapers and when</a:t>
-            </a:r>
-          </a:p>
-          <a:p>
-            <a:pPr algn="l"/>
-            <a:r>
-              <a:rPr lang="en-US" sz="1050" b="0" i="0" dirty="0">
-                <a:solidFill>
-                  <a:srgbClr val="2D2F31"/>
-                </a:solidFill>
-                <a:effectLst/>
-                <a:latin typeface="Udemy Sans"/>
-              </a:rPr>
-              <a:t>they didn't have the content for the layout, they would use this placeholder text.</a:t>
-            </a:r>
-          </a:p>
-          <a:p>
-            <a:pPr algn="l"/>
-            <a:r>
-              <a:rPr lang="en-US" sz="1050" b="0" i="0" dirty="0">
-                <a:solidFill>
-                  <a:srgbClr val="2D2F31"/>
-                </a:solidFill>
-                <a:effectLst/>
-                <a:latin typeface="Udemy Sans"/>
-              </a:rPr>
-              <a:t>If you want to get hold of them, you can go over to lipsum.com and there you'll find Lorem ipsum even in</a:t>
-            </a:r>
-          </a:p>
-          <a:p>
-            <a:pPr algn="l"/>
-            <a:r>
-              <a:rPr lang="en-US" sz="1050" b="0" i="0" dirty="0">
-                <a:solidFill>
-                  <a:srgbClr val="2D2F31"/>
-                </a:solidFill>
-                <a:effectLst/>
-                <a:latin typeface="Udemy Sans"/>
-              </a:rPr>
-              <a:t>different languages like Dutch or Polish, and you can use this tool to generate as many paragraphs,</a:t>
-            </a:r>
-          </a:p>
-          <a:p>
-            <a:pPr algn="l"/>
-            <a:r>
-              <a:rPr lang="en-US" sz="1050" b="0" i="0" dirty="0">
-                <a:solidFill>
-                  <a:srgbClr val="2D2F31"/>
-                </a:solidFill>
-                <a:effectLst/>
-                <a:latin typeface="Udemy Sans"/>
-              </a:rPr>
-              <a:t>or words, or bytes, or lists as you need by simply using this Generate button.</a:t>
-            </a:r>
-          </a:p>
-          <a:p>
-            <a:pPr algn="l"/>
-            <a:r>
-              <a:rPr lang="en-US" sz="1050" b="0" i="0" dirty="0">
-                <a:solidFill>
-                  <a:srgbClr val="2D2F31"/>
-                </a:solidFill>
-                <a:effectLst/>
-                <a:latin typeface="Udemy Sans"/>
-              </a:rPr>
-              <a:t>And here I've got five paragraphs ready to go to put into my new web design.</a:t>
-            </a:r>
-          </a:p>
-          <a:p>
-            <a:pPr algn="l"/>
-            <a:r>
-              <a:rPr lang="en-US" sz="1050" b="0" i="0" dirty="0">
-                <a:solidFill>
-                  <a:srgbClr val="2D2F31"/>
-                </a:solidFill>
-                <a:effectLst/>
-                <a:latin typeface="Udemy Sans"/>
-              </a:rPr>
-              <a:t>Now, instead of having something that looks like this where everything's all the same length, instead</a:t>
-            </a:r>
-          </a:p>
-          <a:p>
-            <a:pPr algn="l"/>
-            <a:r>
-              <a:rPr lang="en-US" sz="1050" b="0" i="0" dirty="0">
-                <a:solidFill>
-                  <a:srgbClr val="2D2F31"/>
-                </a:solidFill>
-                <a:effectLst/>
-                <a:latin typeface="Udemy Sans"/>
-              </a:rPr>
-              <a:t>we have very natural looking paragraphs that mimic pretty much what a regular English article would</a:t>
-            </a:r>
-          </a:p>
-          <a:p>
-            <a:pPr algn="l"/>
-            <a:r>
-              <a:rPr lang="en-US" sz="1050" b="0" i="0" dirty="0">
-                <a:solidFill>
-                  <a:srgbClr val="2D2F31"/>
-                </a:solidFill>
-                <a:effectLst/>
-                <a:latin typeface="Udemy Sans"/>
-              </a:rPr>
-              <a:t>look like.</a:t>
-            </a:r>
-          </a:p>
-          <a:p>
-            <a:pPr algn="l"/>
-            <a:r>
-              <a:rPr lang="en-US" sz="1050" b="0" i="0" dirty="0">
-                <a:solidFill>
-                  <a:srgbClr val="2D2F31"/>
-                </a:solidFill>
-                <a:effectLst/>
-                <a:latin typeface="Udemy Sans"/>
-              </a:rPr>
-              <a:t>And this is done in a matter of seconds using Lorem ipsum.</a:t>
-            </a:r>
-          </a:p>
-          <a:p>
-            <a:pPr algn="l"/>
-            <a:r>
-              <a:rPr lang="en-US" sz="1050" b="0" i="0" dirty="0">
-                <a:solidFill>
-                  <a:srgbClr val="2D2F31"/>
-                </a:solidFill>
-                <a:effectLst/>
-                <a:latin typeface="Udemy Sans"/>
-              </a:rPr>
-              <a:t>Now if Lorem ipsum is a little bit too boring for you, there's actually some novelty versions of this.</a:t>
-            </a:r>
-          </a:p>
-          <a:p>
-            <a:pPr algn="l"/>
-            <a:r>
-              <a:rPr lang="en-US" sz="1050" b="0" i="0" dirty="0">
-                <a:solidFill>
-                  <a:srgbClr val="2D2F31"/>
-                </a:solidFill>
-                <a:effectLst/>
-                <a:latin typeface="Udemy Sans"/>
-              </a:rPr>
-              <a:t>One of my favorite is baconipsum.com and it will generate similar to Lorem ipsum, but then you'll</a:t>
-            </a:r>
-          </a:p>
-          <a:p>
-            <a:pPr algn="l"/>
-            <a:r>
-              <a:rPr lang="en-US" sz="1050" b="0" i="0" dirty="0">
-                <a:solidFill>
-                  <a:srgbClr val="2D2F31"/>
-                </a:solidFill>
-                <a:effectLst/>
-                <a:latin typeface="Udemy Sans"/>
-              </a:rPr>
-              <a:t>get words like bacon and flank and pork loin and pork belly.</a:t>
-            </a:r>
-          </a:p>
-          <a:p>
-            <a:pPr algn="l"/>
-            <a:r>
-              <a:rPr lang="en-US" sz="1050" b="0" i="0" dirty="0">
-                <a:solidFill>
-                  <a:srgbClr val="2D2F31"/>
-                </a:solidFill>
-                <a:effectLst/>
-                <a:latin typeface="Udemy Sans"/>
-              </a:rPr>
-              <a:t>Now if you're not a meat eater, then maybe you should try something like broipsum.com, where you can</a:t>
-            </a:r>
-          </a:p>
-          <a:p>
-            <a:pPr algn="l"/>
-            <a:r>
-              <a:rPr lang="en-US" sz="1050" b="0" i="0" dirty="0">
-                <a:solidFill>
-                  <a:srgbClr val="2D2F31"/>
-                </a:solidFill>
-                <a:effectLst/>
-                <a:latin typeface="Udemy Sans"/>
-              </a:rPr>
-              <a:t>have all of the bro terminology in a Lorem ipsum format.</a:t>
-            </a:r>
-          </a:p>
-          <a:p>
-            <a:pPr algn="l"/>
-            <a:r>
-              <a:rPr lang="en-US" sz="1050" b="0" i="0" dirty="0">
-                <a:solidFill>
-                  <a:srgbClr val="2D2F31"/>
-                </a:solidFill>
-                <a:effectLst/>
-                <a:latin typeface="Udemy Sans"/>
-              </a:rPr>
-              <a:t>And apparently, the things that Bro says are things like taco, pow </a:t>
-            </a:r>
-            <a:r>
-              <a:rPr lang="en-US" sz="1050" b="0" i="0" dirty="0" err="1">
-                <a:solidFill>
-                  <a:srgbClr val="2D2F31"/>
-                </a:solidFill>
-                <a:effectLst/>
-                <a:latin typeface="Udemy Sans"/>
-              </a:rPr>
-              <a:t>pow</a:t>
-            </a:r>
-            <a:r>
-              <a:rPr lang="en-US" sz="1050" b="0" i="0" dirty="0">
-                <a:solidFill>
-                  <a:srgbClr val="2D2F31"/>
-                </a:solidFill>
-                <a:effectLst/>
-                <a:latin typeface="Udemy Sans"/>
-              </a:rPr>
-              <a:t>, and washboard, and rail, and </a:t>
-            </a:r>
-            <a:r>
-              <a:rPr lang="en-US" sz="1050" b="0" i="0" dirty="0" err="1">
-                <a:solidFill>
-                  <a:srgbClr val="2D2F31"/>
-                </a:solidFill>
-                <a:effectLst/>
-                <a:latin typeface="Udemy Sans"/>
-              </a:rPr>
-              <a:t>heli</a:t>
-            </a:r>
-            <a:r>
-              <a:rPr lang="en-US" sz="1050" b="0" i="0" dirty="0">
-                <a:solidFill>
-                  <a:srgbClr val="2D2F31"/>
-                </a:solidFill>
-                <a:effectLst/>
-                <a:latin typeface="Udemy Sans"/>
-              </a:rPr>
-              <a:t> pow </a:t>
-            </a:r>
-            <a:r>
-              <a:rPr lang="en-US" sz="1050" b="0" i="0" dirty="0" err="1">
-                <a:solidFill>
-                  <a:srgbClr val="2D2F31"/>
-                </a:solidFill>
-                <a:effectLst/>
-                <a:latin typeface="Udemy Sans"/>
-              </a:rPr>
-              <a:t>pow</a:t>
-            </a:r>
-            <a:r>
-              <a:rPr lang="en-US" sz="1050" b="0" i="0" dirty="0">
-                <a:solidFill>
-                  <a:srgbClr val="2D2F31"/>
-                </a:solidFill>
-                <a:effectLst/>
-                <a:latin typeface="Udemy Sans"/>
-              </a:rPr>
-              <a:t>,</a:t>
-            </a:r>
-          </a:p>
-          <a:p>
-            <a:pPr algn="l"/>
-            <a:r>
-              <a:rPr lang="en-US" sz="1050" b="0" i="0" dirty="0">
-                <a:solidFill>
-                  <a:srgbClr val="2D2F31"/>
-                </a:solidFill>
-                <a:effectLst/>
-                <a:latin typeface="Udemy Sans"/>
-              </a:rPr>
-              <a:t>whatever it may be.</a:t>
-            </a:r>
-          </a:p>
-          <a:p>
-            <a:pPr algn="l"/>
-            <a:r>
-              <a:rPr lang="en-US" sz="1050" b="0" i="0" dirty="0">
-                <a:solidFill>
-                  <a:srgbClr val="2D2F31"/>
-                </a:solidFill>
-                <a:effectLst/>
-                <a:latin typeface="Udemy Sans"/>
-              </a:rPr>
-              <a:t>And if none of these take your fancy, then I recommend going on to Google and you can actually find</a:t>
-            </a:r>
-          </a:p>
-          <a:p>
-            <a:pPr algn="l"/>
-            <a:r>
-              <a:rPr lang="en-US" sz="1050" b="0" i="0" dirty="0">
-                <a:solidFill>
-                  <a:srgbClr val="2D2F31"/>
-                </a:solidFill>
-                <a:effectLst/>
-                <a:latin typeface="Udemy Sans"/>
-              </a:rPr>
-              <a:t>more of these kind of things by just searching for funny Lorem ipsum</a:t>
-            </a:r>
-          </a:p>
-          <a:p>
-            <a:pPr algn="l"/>
-            <a:r>
-              <a:rPr lang="en-US" sz="1050" b="0" i="0" dirty="0">
-                <a:solidFill>
-                  <a:srgbClr val="2D2F31"/>
-                </a:solidFill>
-                <a:effectLst/>
-                <a:latin typeface="Udemy Sans"/>
-              </a:rPr>
-              <a:t>and there's a whole bunch of different ones like Vegan Ipsum or Pirate Ipsum and you'll come across</a:t>
-            </a:r>
-          </a:p>
-          <a:p>
-            <a:pPr algn="l"/>
-            <a:r>
-              <a:rPr lang="en-US" sz="1050" b="0" i="0" dirty="0">
-                <a:solidFill>
-                  <a:srgbClr val="2D2F31"/>
-                </a:solidFill>
-                <a:effectLst/>
-                <a:latin typeface="Udemy Sans"/>
-              </a:rPr>
-              <a:t>all sorts of different placeholder text generators.</a:t>
-            </a:r>
-          </a:p>
-          <a:p>
-            <a:pPr algn="l"/>
-            <a:r>
-              <a:rPr lang="en-US" sz="1050" b="0" i="0" dirty="0">
-                <a:solidFill>
-                  <a:srgbClr val="2D2F31"/>
-                </a:solidFill>
-                <a:effectLst/>
-                <a:latin typeface="Udemy Sans"/>
-              </a:rPr>
-              <a:t>But the important thing is you know how to get hold of them and you can use it in your code.</a:t>
-            </a:r>
-          </a:p>
-          <a:p>
-            <a:pPr algn="l"/>
-            <a:r>
-              <a:rPr lang="en-US" sz="1050" b="0" i="0" dirty="0">
-                <a:solidFill>
-                  <a:srgbClr val="2D2F31"/>
-                </a:solidFill>
-                <a:effectLst/>
-                <a:latin typeface="Udemy Sans"/>
-              </a:rPr>
-              <a:t>So as an add-on challenge, if you want to, you can generate your own version of Lorem ipsum or Bacon</a:t>
-            </a:r>
-          </a:p>
-          <a:p>
-            <a:pPr algn="l"/>
-            <a:r>
-              <a:rPr lang="en-US" sz="1050" b="0" i="0" dirty="0">
-                <a:solidFill>
-                  <a:srgbClr val="2D2F31"/>
-                </a:solidFill>
-                <a:effectLst/>
-                <a:latin typeface="Udemy Sans"/>
-              </a:rPr>
-              <a:t>ipsum or Bro ipsum and you can create an article using the paragraph tag and the Lorem ipsum that you've</a:t>
-            </a:r>
-          </a:p>
-          <a:p>
-            <a:pPr algn="l"/>
-            <a:r>
-              <a:rPr lang="en-US" sz="1050" b="0" i="0" dirty="0">
-                <a:solidFill>
-                  <a:srgbClr val="2D2F31"/>
-                </a:solidFill>
-                <a:effectLst/>
-                <a:latin typeface="Udemy Sans"/>
-              </a:rPr>
-              <a:t>generated.</a:t>
-            </a:r>
-          </a:p>
-          <a:p>
-            <a:pPr algn="l"/>
-            <a:r>
-              <a:rPr lang="en-US" sz="1050" b="0" i="0" dirty="0">
-                <a:solidFill>
-                  <a:srgbClr val="2D2F31"/>
-                </a:solidFill>
-                <a:effectLst/>
-                <a:latin typeface="Udemy Sans"/>
-              </a:rPr>
-              <a:t>Feel free to modify the index.html in the coding exercise that we just completed.</a:t>
-            </a:r>
-          </a:p>
-          <a:p>
-            <a:pPr algn="l"/>
-            <a:r>
-              <a:rPr lang="en-US" sz="1050" b="0" i="0" dirty="0">
-                <a:solidFill>
-                  <a:srgbClr val="2D2F31"/>
-                </a:solidFill>
-                <a:effectLst/>
-                <a:latin typeface="Udemy Sans"/>
-              </a:rPr>
-              <a:t>So have a play around with that and be sure to comment in the Q&amp;A sections below</a:t>
-            </a:r>
-          </a:p>
-          <a:p>
-            <a:pPr algn="l"/>
-            <a:r>
-              <a:rPr lang="en-US" sz="1050" b="0" i="0" dirty="0">
-                <a:solidFill>
-                  <a:srgbClr val="2D2F31"/>
-                </a:solidFill>
-                <a:effectLst/>
-                <a:latin typeface="Udemy Sans"/>
-              </a:rPr>
-              <a:t>if you find some Lorem ipsum that you think is ridiculous, or really funny, or really cool, and I'll see</a:t>
-            </a:r>
-          </a:p>
-          <a:p>
-            <a:pPr algn="l"/>
-            <a:r>
-              <a:rPr lang="en-US" sz="1050" b="0" i="0" u="sng" dirty="0">
-                <a:solidFill>
-                  <a:srgbClr val="3B198F"/>
-                </a:solidFill>
-                <a:effectLst/>
-                <a:latin typeface="Udemy Sans"/>
-              </a:rPr>
-              <a:t>you on the next lesson.</a:t>
-            </a:r>
-          </a:p>
-          <a:p>
-            <a:endParaRPr lang="en-IN" sz="1050" dirty="0"/>
+            <a:r>
+              <a:rPr lang="en-US" sz="1050" b="1" dirty="0"/>
+              <a:t>## Overview</a:t>
+            </a:r>
+          </a:p>
+          <a:p>
+            <a:r>
+              <a:rPr lang="en-US" sz="1050" b="1" dirty="0"/>
+              <a:t>- The paragraph element `&lt;p&gt;` is used to format text on websites.</a:t>
+            </a:r>
+          </a:p>
+          <a:p>
+            <a:r>
+              <a:rPr lang="en-US" sz="1050" b="1" dirty="0"/>
+              <a:t>- Similar to the heading element, it includes an opening tag `&lt;p&gt;` and a closing tag `&lt;/p&gt;`, with the paragraph content in between.</a:t>
+            </a:r>
+          </a:p>
+          <a:p>
+            <a:endParaRPr lang="en-US" sz="1050" b="1" dirty="0"/>
+          </a:p>
+          <a:p>
+            <a:r>
+              <a:rPr lang="en-US" sz="1050" b="1" dirty="0"/>
+              <a:t>## Importance of Paragraph Tag</a:t>
+            </a:r>
+          </a:p>
+          <a:p>
+            <a:r>
+              <a:rPr lang="en-US" sz="1050" b="1" dirty="0"/>
+              <a:t>- Without paragraph tags, plain text in an HTML document will run into each other on the same line.</a:t>
+            </a:r>
+          </a:p>
+          <a:p>
+            <a:r>
+              <a:rPr lang="en-US" sz="1050" b="1" dirty="0"/>
+              <a:t>- Paragraph tags help separate text into distinct paragraphs, making it visually clear where one paragraph ends and another begins.</a:t>
+            </a:r>
+          </a:p>
+          <a:p>
+            <a:r>
+              <a:rPr lang="en-US" sz="1050" b="1" dirty="0"/>
+              <a:t>- For screen readers, paragraph tags are crucial as they help users navigate through paragraphs easily.</a:t>
+            </a:r>
+          </a:p>
+          <a:p>
+            <a:endParaRPr lang="en-US" sz="1050" b="1" dirty="0"/>
+          </a:p>
+          <a:p>
+            <a:r>
+              <a:rPr lang="en-US" sz="1050" b="1" dirty="0"/>
+              <a:t>## Exercise Instructions</a:t>
+            </a:r>
+          </a:p>
+          <a:p>
+            <a:r>
+              <a:rPr lang="en-US" sz="1050" b="1" dirty="0"/>
+              <a:t>1. **Download Resources:**</a:t>
+            </a:r>
+          </a:p>
+          <a:p>
+            <a:r>
+              <a:rPr lang="en-US" sz="1050" b="1" dirty="0"/>
+              <a:t>   - Access the course resources and download the zipped file for "2.2 Paragraph Element".</a:t>
+            </a:r>
+          </a:p>
+          <a:p>
+            <a:r>
+              <a:rPr lang="en-US" sz="1050" b="1" dirty="0"/>
+              <a:t>   - Extract and unzip the file, then place it in your Web Development Projects folder.</a:t>
+            </a:r>
+          </a:p>
+          <a:p>
+            <a:r>
+              <a:rPr lang="en-US" sz="1050" b="1" dirty="0"/>
+              <a:t>   - Open the folder in VS Code.</a:t>
+            </a:r>
+          </a:p>
+          <a:p>
+            <a:r>
+              <a:rPr lang="en-US" sz="1050" b="1" dirty="0"/>
+              <a:t>2. **Modify `index.html`:**</a:t>
+            </a:r>
+          </a:p>
+          <a:p>
+            <a:r>
+              <a:rPr lang="en-US" sz="1050" b="1" dirty="0"/>
+              <a:t>   - Open `index.html` which contains three paragraphs of placeholder text.</a:t>
+            </a:r>
+          </a:p>
+          <a:p>
+            <a:r>
+              <a:rPr lang="en-US" sz="1050" b="1" dirty="0"/>
+              <a:t>   - Use the paragraph tag to format the text so that each paragraph is separated.</a:t>
+            </a:r>
+          </a:p>
+          <a:p>
+            <a:endParaRPr lang="en-US" sz="1050" b="1" dirty="0"/>
+          </a:p>
+          <a:p>
+            <a:r>
+              <a:rPr lang="en-US" sz="1050" b="1" dirty="0"/>
+              <a:t>## Steps to Format Paragraphs</a:t>
+            </a:r>
+          </a:p>
+          <a:p>
+            <a:r>
+              <a:rPr lang="en-US" sz="1050" b="1" dirty="0"/>
+              <a:t>1. Insert the opening tag `&lt;p&gt;` at the beginning of each paragraph.</a:t>
+            </a:r>
+          </a:p>
+          <a:p>
+            <a:r>
+              <a:rPr lang="en-US" sz="1050" b="1" dirty="0"/>
+              <a:t>2. Insert the closing tag `&lt;/p&gt;` at the end of each paragraph.</a:t>
+            </a:r>
+          </a:p>
+          <a:p>
+            <a:r>
+              <a:rPr lang="en-US" sz="1050" b="1" dirty="0"/>
+              <a:t>3. Repeat for all paragraphs.</a:t>
+            </a:r>
+          </a:p>
+          <a:p>
+            <a:endParaRPr lang="en-US" sz="1050" b="1" dirty="0"/>
+          </a:p>
+          <a:p>
+            <a:r>
+              <a:rPr lang="en-US" sz="1050" b="1" dirty="0"/>
+              <a:t>## Previewing the Result</a:t>
+            </a:r>
+          </a:p>
+          <a:p>
+            <a:r>
+              <a:rPr lang="en-US" sz="1050" b="1" dirty="0"/>
+              <a:t>- After adding the paragraph tags, right-click and select "Show Preview".</a:t>
+            </a:r>
+          </a:p>
+          <a:p>
+            <a:r>
+              <a:rPr lang="en-US" sz="1050" b="1" dirty="0"/>
+              <a:t>- The paragraphs should be displayed as separate blocks of text, not jumbled together.</a:t>
+            </a:r>
+          </a:p>
+          <a:p>
+            <a:endParaRPr lang="en-US" sz="1050" b="1" dirty="0"/>
+          </a:p>
+          <a:p>
+            <a:r>
+              <a:rPr lang="en-US" sz="1050" b="1" dirty="0"/>
+              <a:t>## Placeholder Text: Lorem Ipsum</a:t>
+            </a:r>
+          </a:p>
+          <a:p>
+            <a:r>
+              <a:rPr lang="en-US" sz="1050" b="1" dirty="0"/>
+              <a:t>- **Purpose:** Used to simulate content in web design without writing actual text.</a:t>
+            </a:r>
+          </a:p>
+          <a:p>
+            <a:r>
+              <a:rPr lang="en-US" sz="1050" b="1" dirty="0"/>
+              <a:t>- **Origin:** Derived from classical Latin literature by Cicero, used since the 1500s in print layouts.</a:t>
+            </a:r>
           </a:p>
         </p:txBody>
       </p:sp>
     </p:spTree>
     <p:extLst>
       <p:ext uri="{BB962C8B-B14F-4D97-AF65-F5344CB8AC3E}">
-        <p14:creationId xmlns:p14="http://schemas.microsoft.com/office/powerpoint/2010/main" val="2950657578"/>
+        <p14:creationId xmlns:p14="http://schemas.microsoft.com/office/powerpoint/2010/main" val="2043742616"/>
       </p:ext>
     </p:extLst>
   </p:cSld>
@@ -6167,17 +5076,151 @@
           <a:lstStyle/>
           <a:p>
             <a:r>
-              <a:rPr lang="en-US" dirty="0"/>
-              <a:t>Heading Tag</a:t>
-            </a:r>
-            <a:endParaRPr lang="en-IN" dirty="0"/>
+              <a:rPr lang="en-IN" dirty="0"/>
+              <a:t>Notes: HTML Paragraph Element</a:t>
+            </a:r>
+          </a:p>
+        </p:txBody>
+      </p:sp>
+      <p:sp>
+        <p:nvSpPr>
+          <p:cNvPr id="13" name="TextBox 12">
+            <a:extLst>
+              <a:ext uri="{FF2B5EF4-FFF2-40B4-BE49-F238E27FC236}">
+                <a16:creationId xmlns:a16="http://schemas.microsoft.com/office/drawing/2014/main" id="{BB42CBCA-17D8-4CC8-A051-0CDC84ECB946}"/>
+              </a:ext>
+            </a:extLst>
+          </p:cNvPr>
+          <p:cNvSpPr txBox="1"/>
+          <p:nvPr/>
+        </p:nvSpPr>
+        <p:spPr>
+          <a:xfrm>
+            <a:off x="2260600" y="1982798"/>
+            <a:ext cx="4994570" cy="4131900"/>
+          </a:xfrm>
+          <a:prstGeom prst="rect">
+            <a:avLst/>
+          </a:prstGeom>
+          <a:noFill/>
+        </p:spPr>
+        <p:txBody>
+          <a:bodyPr wrap="square" rtlCol="0">
+            <a:spAutoFit/>
+          </a:bodyPr>
+          <a:lstStyle/>
+          <a:p>
+            <a:r>
+              <a:rPr lang="en-US" sz="1050" b="1" dirty="0"/>
+              <a:t>- **Usage:** </a:t>
+            </a:r>
+          </a:p>
+          <a:p>
+            <a:r>
+              <a:rPr lang="en-US" sz="1050" b="1" dirty="0"/>
+              <a:t>  - Websites like [lipsum.com](http://lipsum.com) allow you to generate Lorem Ipsum text in different languages.</a:t>
+            </a:r>
+          </a:p>
+          <a:p>
+            <a:r>
+              <a:rPr lang="en-US" sz="1050" b="1" dirty="0"/>
+              <a:t>  - Novelty versions (e.g., baconipsum.com, broipsum.com) provide themed placeholder text.</a:t>
+            </a:r>
+          </a:p>
+          <a:p>
+            <a:endParaRPr lang="en-US" sz="1050" b="1" dirty="0"/>
+          </a:p>
+          <a:p>
+            <a:r>
+              <a:rPr lang="en-US" sz="1050" b="1" dirty="0"/>
+              <a:t>## Additional Challenge</a:t>
+            </a:r>
+          </a:p>
+          <a:p>
+            <a:r>
+              <a:rPr lang="en-US" sz="1050" b="1" dirty="0"/>
+              <a:t>- Generate your own Lorem Ipsum or themed placeholder text.</a:t>
+            </a:r>
+          </a:p>
+          <a:p>
+            <a:r>
+              <a:rPr lang="en-US" sz="1050" b="1" dirty="0"/>
+              <a:t>- Create an article using the paragraph tag and the generated text.</a:t>
+            </a:r>
+          </a:p>
+          <a:p>
+            <a:r>
+              <a:rPr lang="en-US" sz="1050" b="1" dirty="0"/>
+              <a:t>- Modify `index.html` to include your new content.</a:t>
+            </a:r>
+          </a:p>
+          <a:p>
+            <a:r>
+              <a:rPr lang="en-US" sz="1050" b="1" dirty="0"/>
+              <a:t>- Share any interesting or funny Lorem Ipsum generators in the Q&amp;A section of the course.</a:t>
+            </a:r>
+          </a:p>
+          <a:p>
+            <a:endParaRPr lang="en-US" sz="1050" b="1" dirty="0"/>
+          </a:p>
+          <a:p>
+            <a:r>
+              <a:rPr lang="en-US" sz="1050" b="1" dirty="0"/>
+              <a:t>## Tools and Resources</a:t>
+            </a:r>
+          </a:p>
+          <a:p>
+            <a:r>
+              <a:rPr lang="en-US" sz="1050" b="1" dirty="0"/>
+              <a:t>- [lipsum.com](http://lipsum.com): Generate classic Lorem Ipsum text.</a:t>
+            </a:r>
+          </a:p>
+          <a:p>
+            <a:r>
+              <a:rPr lang="en-US" sz="1050" b="1" dirty="0"/>
+              <a:t>- [baconipsum.com](http://baconipsum.com): Generate bacon-themed placeholder text.</a:t>
+            </a:r>
+          </a:p>
+          <a:p>
+            <a:r>
+              <a:rPr lang="en-US" sz="1050" b="1" dirty="0"/>
+              <a:t>- [broipsum.com](http://broipsum.com): Generate "bro" themed placeholder text.</a:t>
+            </a:r>
+          </a:p>
+          <a:p>
+            <a:r>
+              <a:rPr lang="en-US" sz="1050" b="1" dirty="0"/>
+              <a:t>- Google search for "funny Lorem ipsum" for more variations.</a:t>
+            </a:r>
+          </a:p>
+          <a:p>
+            <a:endParaRPr lang="en-US" sz="1050" b="1" dirty="0"/>
+          </a:p>
+          <a:p>
+            <a:r>
+              <a:rPr lang="en-US" sz="1050" b="1" dirty="0"/>
+              <a:t>## Conclusion</a:t>
+            </a:r>
+          </a:p>
+          <a:p>
+            <a:r>
+              <a:rPr lang="en-US" sz="1050" b="1" dirty="0"/>
+              <a:t>- Using the paragraph element correctly enhances readability and accessibility of web content.</a:t>
+            </a:r>
+          </a:p>
+          <a:p>
+            <a:r>
+              <a:rPr lang="en-US" sz="1050" b="1" dirty="0"/>
+              <a:t>- Lorem Ipsum and its variations are useful tools for web designers to create realistic-looking text blocks quickly.</a:t>
+            </a:r>
+            <a:endParaRPr lang="en-US" sz="1050" dirty="0"/>
           </a:p>
         </p:txBody>
       </p:sp>
     </p:spTree>
     <p:extLst>
       <p:ext uri="{BB962C8B-B14F-4D97-AF65-F5344CB8AC3E}">
-        <p14:creationId xmlns:p14="http://schemas.microsoft.com/office/powerpoint/2010/main" val="184494923"/>
+        <p14:creationId xmlns:p14="http://schemas.microsoft.com/office/powerpoint/2010/main" val="3435167532"/>
       </p:ext>
     </p:extLst>
   </p:cSld>
